--- a/Documentacao/Android/IPL_AMSI_Relatorio.pptx
+++ b/Documentacao/Android/IPL_AMSI_Relatorio.pptx
@@ -6,10 +6,10 @@
     <p:sldMasterId id="2147483684" r:id="rId2"/>
   </p:sldMasterIdLst>
   <p:notesMasterIdLst>
-    <p:notesMasterId r:id="rId15"/>
+    <p:notesMasterId r:id="rId14"/>
   </p:notesMasterIdLst>
   <p:handoutMasterIdLst>
-    <p:handoutMasterId r:id="rId16"/>
+    <p:handoutMasterId r:id="rId15"/>
   </p:handoutMasterIdLst>
   <p:sldIdLst>
     <p:sldId id="256" r:id="rId3"/>
@@ -20,10 +20,9 @@
     <p:sldId id="273" r:id="rId8"/>
     <p:sldId id="279" r:id="rId9"/>
     <p:sldId id="276" r:id="rId10"/>
-    <p:sldId id="280" r:id="rId11"/>
-    <p:sldId id="277" r:id="rId12"/>
-    <p:sldId id="278" r:id="rId13"/>
-    <p:sldId id="271" r:id="rId14"/>
+    <p:sldId id="277" r:id="rId11"/>
+    <p:sldId id="278" r:id="rId12"/>
+    <p:sldId id="271" r:id="rId13"/>
   </p:sldIdLst>
   <p:sldSz cx="9144000" cy="5143500" type="screen16x9"/>
   <p:notesSz cx="6858000" cy="9144000"/>
@@ -237,7 +236,7 @@
           <a:p>
             <a:fld id="{5AA774DA-5E7A-4E8E-9D7E-8A8FDC2213D4}" type="datetimeFigureOut">
               <a:rPr lang="pt-PT" smtClean="0"/>
-              <a:t>21/01/2021</a:t>
+              <a:t>21/01/21</a:t>
             </a:fld>
             <a:endParaRPr lang="pt-PT"/>
           </a:p>
@@ -402,7 +401,7 @@
           <a:p>
             <a:fld id="{943A8C7F-B61F-4F96-990B-EDC6C319C29A}" type="datetimeFigureOut">
               <a:rPr lang="pt-PT" smtClean="0"/>
-              <a:t>21/01/2021</a:t>
+              <a:t>21/01/21</a:t>
             </a:fld>
             <a:endParaRPr lang="pt-PT"/>
           </a:p>
@@ -1406,7 +1405,7 @@
           <a:p>
             <a:fld id="{7AE4DC13-8086-457A-8A9F-EEE18A3C9FD6}" type="slidenum">
               <a:rPr lang="pt-PT" smtClean="0"/>
-              <a:t>10</a:t>
+              <a:t>9</a:t>
             </a:fld>
             <a:endParaRPr lang="pt-PT"/>
           </a:p>
@@ -1514,7 +1513,7 @@
           <a:p>
             <a:fld id="{7AE4DC13-8086-457A-8A9F-EEE18A3C9FD6}" type="slidenum">
               <a:rPr lang="pt-PT" smtClean="0"/>
-              <a:t>11</a:t>
+              <a:t>10</a:t>
             </a:fld>
             <a:endParaRPr lang="pt-PT"/>
           </a:p>
@@ -1649,7 +1648,7 @@
           <a:p>
             <a:fld id="{7AE4DC13-8086-457A-8A9F-EEE18A3C9FD6}" type="slidenum">
               <a:rPr lang="pt-PT" smtClean="0"/>
-              <a:t>12</a:t>
+              <a:t>11</a:t>
             </a:fld>
             <a:endParaRPr lang="pt-PT"/>
           </a:p>
@@ -7473,7 +7472,7 @@
             <a:fld id="{C2DE1785-620F-4DE8-A7D0-6CC8413DFAC9}" type="datetime1">
               <a:rPr lang="pt-PT" sz="800" b="1" smtClean="0"/>
               <a:pPr/>
-              <a:t>21/01/2021</a:t>
+              <a:t>21/01/21</a:t>
             </a:fld>
             <a:endParaRPr lang="pt-PT" sz="800" b="1" dirty="0"/>
           </a:p>
@@ -7891,1260 +7890,7 @@
             <a:fld id="{C2DE1785-620F-4DE8-A7D0-6CC8413DFAC9}" type="datetime1">
               <a:rPr lang="pt-PT" sz="800" b="1" smtClean="0"/>
               <a:pPr/>
-              <a:t>21/01/2021</a:t>
-            </a:fld>
-            <a:endParaRPr lang="pt-PT" sz="800" b="1" dirty="0"/>
-          </a:p>
-        </p:txBody>
-      </p:sp>
-      <p:sp>
-        <p:nvSpPr>
-          <p:cNvPr id="18" name="Marcador de Posição do Rodapé 6"/>
-          <p:cNvSpPr txBox="1">
-            <a:spLocks/>
-          </p:cNvSpPr>
-          <p:nvPr/>
-        </p:nvSpPr>
-        <p:spPr>
-          <a:xfrm>
-            <a:off x="3124200" y="4840002"/>
-            <a:ext cx="2895600" cy="273844"/>
-          </a:xfrm>
-          <a:prstGeom prst="rect">
-            <a:avLst/>
-          </a:prstGeom>
-        </p:spPr>
-        <p:txBody>
-          <a:bodyPr vert="horz" lIns="91440" tIns="45720" rIns="91440" bIns="45720" rtlCol="0" anchor="ctr"/>
-          <a:lstStyle>
-            <a:defPPr>
-              <a:defRPr lang="pt-PT"/>
-            </a:defPPr>
-            <a:lvl1pPr marL="0" algn="ctr" defTabSz="914400" rtl="0" eaLnBrk="1" latinLnBrk="0" hangingPunct="1">
-              <a:defRPr sz="1200" kern="1200">
-                <a:solidFill>
-                  <a:schemeClr val="tx1">
-                    <a:tint val="75000"/>
-                  </a:schemeClr>
-                </a:solidFill>
-                <a:latin typeface="+mn-lt"/>
-                <a:ea typeface="+mn-ea"/>
-                <a:cs typeface="+mn-cs"/>
-              </a:defRPr>
-            </a:lvl1pPr>
-            <a:lvl2pPr marL="457200" algn="l" defTabSz="914400" rtl="0" eaLnBrk="1" latinLnBrk="0" hangingPunct="1">
-              <a:defRPr sz="1800" kern="1200">
-                <a:solidFill>
-                  <a:schemeClr val="tx1"/>
-                </a:solidFill>
-                <a:latin typeface="+mn-lt"/>
-                <a:ea typeface="+mn-ea"/>
-                <a:cs typeface="+mn-cs"/>
-              </a:defRPr>
-            </a:lvl2pPr>
-            <a:lvl3pPr marL="914400" algn="l" defTabSz="914400" rtl="0" eaLnBrk="1" latinLnBrk="0" hangingPunct="1">
-              <a:defRPr sz="1800" kern="1200">
-                <a:solidFill>
-                  <a:schemeClr val="tx1"/>
-                </a:solidFill>
-                <a:latin typeface="+mn-lt"/>
-                <a:ea typeface="+mn-ea"/>
-                <a:cs typeface="+mn-cs"/>
-              </a:defRPr>
-            </a:lvl3pPr>
-            <a:lvl4pPr marL="1371600" algn="l" defTabSz="914400" rtl="0" eaLnBrk="1" latinLnBrk="0" hangingPunct="1">
-              <a:defRPr sz="1800" kern="1200">
-                <a:solidFill>
-                  <a:schemeClr val="tx1"/>
-                </a:solidFill>
-                <a:latin typeface="+mn-lt"/>
-                <a:ea typeface="+mn-ea"/>
-                <a:cs typeface="+mn-cs"/>
-              </a:defRPr>
-            </a:lvl4pPr>
-            <a:lvl5pPr marL="1828800" algn="l" defTabSz="914400" rtl="0" eaLnBrk="1" latinLnBrk="0" hangingPunct="1">
-              <a:defRPr sz="1800" kern="1200">
-                <a:solidFill>
-                  <a:schemeClr val="tx1"/>
-                </a:solidFill>
-                <a:latin typeface="+mn-lt"/>
-                <a:ea typeface="+mn-ea"/>
-                <a:cs typeface="+mn-cs"/>
-              </a:defRPr>
-            </a:lvl5pPr>
-            <a:lvl6pPr marL="2286000" algn="l" defTabSz="914400" rtl="0" eaLnBrk="1" latinLnBrk="0" hangingPunct="1">
-              <a:defRPr sz="1800" kern="1200">
-                <a:solidFill>
-                  <a:schemeClr val="tx1"/>
-                </a:solidFill>
-                <a:latin typeface="+mn-lt"/>
-                <a:ea typeface="+mn-ea"/>
-                <a:cs typeface="+mn-cs"/>
-              </a:defRPr>
-            </a:lvl6pPr>
-            <a:lvl7pPr marL="2743200" algn="l" defTabSz="914400" rtl="0" eaLnBrk="1" latinLnBrk="0" hangingPunct="1">
-              <a:defRPr sz="1800" kern="1200">
-                <a:solidFill>
-                  <a:schemeClr val="tx1"/>
-                </a:solidFill>
-                <a:latin typeface="+mn-lt"/>
-                <a:ea typeface="+mn-ea"/>
-                <a:cs typeface="+mn-cs"/>
-              </a:defRPr>
-            </a:lvl7pPr>
-            <a:lvl8pPr marL="3200400" algn="l" defTabSz="914400" rtl="0" eaLnBrk="1" latinLnBrk="0" hangingPunct="1">
-              <a:defRPr sz="1800" kern="1200">
-                <a:solidFill>
-                  <a:schemeClr val="tx1"/>
-                </a:solidFill>
-                <a:latin typeface="+mn-lt"/>
-                <a:ea typeface="+mn-ea"/>
-                <a:cs typeface="+mn-cs"/>
-              </a:defRPr>
-            </a:lvl8pPr>
-            <a:lvl9pPr marL="3657600" algn="l" defTabSz="914400" rtl="0" eaLnBrk="1" latinLnBrk="0" hangingPunct="1">
-              <a:defRPr sz="1800" kern="1200">
-                <a:solidFill>
-                  <a:schemeClr val="tx1"/>
-                </a:solidFill>
-                <a:latin typeface="+mn-lt"/>
-                <a:ea typeface="+mn-ea"/>
-                <a:cs typeface="+mn-cs"/>
-              </a:defRPr>
-            </a:lvl9pPr>
-          </a:lstStyle>
-          <a:p>
-            <a:r>
-              <a:rPr lang="pt-PT" sz="800" b="1"/>
-              <a:t>POLITÉCNICO DE LEIRIA</a:t>
-            </a:r>
-            <a:endParaRPr lang="pt-PT" sz="800" b="1" dirty="0"/>
-          </a:p>
-        </p:txBody>
-      </p:sp>
-      <p:pic>
-        <p:nvPicPr>
-          <p:cNvPr id="10" name="Marcador de Posição de Conteúdo 3">
-            <a:extLst>
-              <a:ext uri="{FF2B5EF4-FFF2-40B4-BE49-F238E27FC236}">
-                <a16:creationId xmlns:a16="http://schemas.microsoft.com/office/drawing/2014/main" id="{32905D98-D9FE-E440-B1EC-F376E221074D}"/>
-              </a:ext>
-            </a:extLst>
-          </p:cNvPr>
-          <p:cNvPicPr>
-            <a:picLocks noChangeAspect="1"/>
-          </p:cNvPicPr>
-          <p:nvPr/>
-        </p:nvPicPr>
-        <p:blipFill>
-          <a:blip r:embed="rId3"/>
-          <a:stretch>
-            <a:fillRect/>
-          </a:stretch>
-        </p:blipFill>
-        <p:spPr>
-          <a:xfrm>
-            <a:off x="350168" y="897452"/>
-            <a:ext cx="5995708" cy="3812874"/>
-          </a:xfrm>
-          <a:prstGeom prst="rect">
-            <a:avLst/>
-          </a:prstGeom>
-        </p:spPr>
-      </p:pic>
-      <p:graphicFrame>
-        <p:nvGraphicFramePr>
-          <p:cNvPr id="4" name="Tabela 4">
-            <a:extLst>
-              <a:ext uri="{FF2B5EF4-FFF2-40B4-BE49-F238E27FC236}">
-                <a16:creationId xmlns:a16="http://schemas.microsoft.com/office/drawing/2014/main" id="{958B240D-FC2D-214A-ABAC-6EB20AB31B4F}"/>
-              </a:ext>
-            </a:extLst>
-          </p:cNvPr>
-          <p:cNvGraphicFramePr>
-            <a:graphicFrameLocks noGrp="1"/>
-          </p:cNvGraphicFramePr>
-          <p:nvPr/>
-        </p:nvGraphicFramePr>
-        <p:xfrm>
-          <a:off x="5508104" y="983631"/>
-          <a:ext cx="1175792" cy="3800162"/>
-        </p:xfrm>
-        <a:graphic>
-          <a:graphicData uri="http://schemas.openxmlformats.org/drawingml/2006/table">
-            <a:tbl>
-              <a:tblPr firstRow="1" bandRow="1">
-                <a:tableStyleId>{5940675A-B579-460E-94D1-54222C63F5DA}</a:tableStyleId>
-              </a:tblPr>
-              <a:tblGrid>
-                <a:gridCol w="1175792">
-                  <a:extLst>
-                    <a:ext uri="{9D8B030D-6E8A-4147-A177-3AD203B41FA5}">
-                      <a16:colId xmlns:a16="http://schemas.microsoft.com/office/drawing/2014/main" val="3996927710"/>
-                    </a:ext>
-                  </a:extLst>
-                </a:gridCol>
-              </a:tblGrid>
-              <a:tr h="0">
-                <a:tc>
-                  <a:txBody>
-                    <a:bodyPr/>
-                    <a:lstStyle/>
-                    <a:p>
-                      <a:r>
-                        <a:rPr lang="pt-PT" sz="1050" dirty="0">
-                          <a:solidFill>
-                            <a:schemeClr val="bg1"/>
-                          </a:solidFill>
-                        </a:rPr>
-                        <a:t>Estado</a:t>
-                      </a:r>
-                    </a:p>
-                  </a:txBody>
-                  <a:tcPr>
-                    <a:solidFill>
-                      <a:srgbClr val="7030A0"/>
-                    </a:solidFill>
-                  </a:tcPr>
-                </a:tc>
-                <a:extLst>
-                  <a:ext uri="{0D108BD9-81ED-4DB2-BD59-A6C34878D82A}">
-                    <a16:rowId xmlns:a16="http://schemas.microsoft.com/office/drawing/2014/main" val="255571365"/>
-                  </a:ext>
-                </a:extLst>
-              </a:tr>
-              <a:tr h="293297">
-                <a:tc>
-                  <a:txBody>
-                    <a:bodyPr/>
-                    <a:lstStyle/>
-                    <a:p>
-                      <a:r>
-                        <a:rPr lang="pt-PT" sz="1100" dirty="0">
-                          <a:ln>
-                            <a:noFill/>
-                          </a:ln>
-                          <a:solidFill>
-                            <a:schemeClr val="tx1"/>
-                          </a:solidFill>
-                        </a:rPr>
-                        <a:t>--</a:t>
-                      </a:r>
-                    </a:p>
-                  </a:txBody>
-                  <a:tcPr>
-                    <a:solidFill>
-                      <a:schemeClr val="bg1"/>
-                    </a:solidFill>
-                  </a:tcPr>
-                </a:tc>
-                <a:extLst>
-                  <a:ext uri="{0D108BD9-81ED-4DB2-BD59-A6C34878D82A}">
-                    <a16:rowId xmlns:a16="http://schemas.microsoft.com/office/drawing/2014/main" val="3749146498"/>
-                  </a:ext>
-                </a:extLst>
-              </a:tr>
-              <a:tr h="293297">
-                <a:tc>
-                  <a:txBody>
-                    <a:bodyPr/>
-                    <a:lstStyle/>
-                    <a:p>
-                      <a:r>
-                        <a:rPr kumimoji="0" lang="pt-PT" sz="900" b="0" u="none" strike="noStrike" kern="1200" cap="none" spc="0" normalizeH="0" baseline="0" noProof="0" dirty="0">
-                          <a:ln>
-                            <a:noFill/>
-                          </a:ln>
-                          <a:solidFill>
-                            <a:schemeClr val="tx1"/>
-                          </a:solidFill>
-                          <a:effectLst/>
-                          <a:uLnTx/>
-                          <a:uFillTx/>
-                        </a:rPr>
-                        <a:t>Implementado</a:t>
-                      </a:r>
-                      <a:endParaRPr lang="pt-PT" sz="1100" dirty="0">
-                        <a:ln>
-                          <a:noFill/>
-                        </a:ln>
-                        <a:solidFill>
-                          <a:schemeClr val="tx1"/>
-                        </a:solidFill>
-                      </a:endParaRPr>
-                    </a:p>
-                  </a:txBody>
-                  <a:tcPr>
-                    <a:solidFill>
-                      <a:schemeClr val="bg1"/>
-                    </a:solidFill>
-                  </a:tcPr>
-                </a:tc>
-                <a:extLst>
-                  <a:ext uri="{0D108BD9-81ED-4DB2-BD59-A6C34878D82A}">
-                    <a16:rowId xmlns:a16="http://schemas.microsoft.com/office/drawing/2014/main" val="2040567252"/>
-                  </a:ext>
-                </a:extLst>
-              </a:tr>
-              <a:tr h="293297">
-                <a:tc>
-                  <a:txBody>
-                    <a:bodyPr/>
-                    <a:lstStyle/>
-                    <a:p>
-                      <a:r>
-                        <a:rPr lang="pt-PT" sz="900" dirty="0">
-                          <a:ln>
-                            <a:noFill/>
-                          </a:ln>
-                          <a:solidFill>
-                            <a:schemeClr val="tx1"/>
-                          </a:solidFill>
-                        </a:rPr>
-                        <a:t>Não implementado</a:t>
-                      </a:r>
-                    </a:p>
-                  </a:txBody>
-                  <a:tcPr>
-                    <a:solidFill>
-                      <a:schemeClr val="bg1"/>
-                    </a:solidFill>
-                  </a:tcPr>
-                </a:tc>
-                <a:extLst>
-                  <a:ext uri="{0D108BD9-81ED-4DB2-BD59-A6C34878D82A}">
-                    <a16:rowId xmlns:a16="http://schemas.microsoft.com/office/drawing/2014/main" val="3494044148"/>
-                  </a:ext>
-                </a:extLst>
-              </a:tr>
-              <a:tr h="293297">
-                <a:tc>
-                  <a:txBody>
-                    <a:bodyPr/>
-                    <a:lstStyle/>
-                    <a:p>
-                      <a:pPr marL="0" marR="0" lvl="0" indent="0" algn="l" defTabSz="914400" rtl="0" eaLnBrk="1" fontAlgn="auto" latinLnBrk="0" hangingPunct="1">
-                        <a:lnSpc>
-                          <a:spcPct val="100000"/>
-                        </a:lnSpc>
-                        <a:spcBef>
-                          <a:spcPts val="0"/>
-                        </a:spcBef>
-                        <a:spcAft>
-                          <a:spcPts val="0"/>
-                        </a:spcAft>
-                        <a:buClrTx/>
-                        <a:buSzTx/>
-                        <a:buFontTx/>
-                        <a:buNone/>
-                        <a:tabLst/>
-                        <a:defRPr/>
-                      </a:pPr>
-                      <a:r>
-                        <a:rPr kumimoji="0" lang="pt-PT" sz="900" b="0" i="0" u="none" strike="noStrike" kern="1200" cap="none" spc="0" normalizeH="0" baseline="0" noProof="0" dirty="0">
-                          <a:ln>
-                            <a:noFill/>
-                          </a:ln>
-                          <a:solidFill>
-                            <a:prstClr val="black"/>
-                          </a:solidFill>
-                          <a:effectLst/>
-                          <a:uLnTx/>
-                          <a:uFillTx/>
-                          <a:latin typeface="+mn-lt"/>
-                          <a:ea typeface="+mn-ea"/>
-                          <a:cs typeface="+mn-cs"/>
-                        </a:rPr>
-                        <a:t>Não implementado</a:t>
-                      </a:r>
-                    </a:p>
-                  </a:txBody>
-                  <a:tcPr>
-                    <a:solidFill>
-                      <a:schemeClr val="bg1"/>
-                    </a:solidFill>
-                  </a:tcPr>
-                </a:tc>
-                <a:extLst>
-                  <a:ext uri="{0D108BD9-81ED-4DB2-BD59-A6C34878D82A}">
-                    <a16:rowId xmlns:a16="http://schemas.microsoft.com/office/drawing/2014/main" val="723932806"/>
-                  </a:ext>
-                </a:extLst>
-              </a:tr>
-              <a:tr h="249972">
-                <a:tc>
-                  <a:txBody>
-                    <a:bodyPr/>
-                    <a:lstStyle/>
-                    <a:p>
-                      <a:pPr marL="0" marR="0" lvl="0" indent="0" algn="l" defTabSz="914400" rtl="0" eaLnBrk="1" fontAlgn="auto" latinLnBrk="0" hangingPunct="1">
-                        <a:lnSpc>
-                          <a:spcPct val="100000"/>
-                        </a:lnSpc>
-                        <a:spcBef>
-                          <a:spcPts val="0"/>
-                        </a:spcBef>
-                        <a:spcAft>
-                          <a:spcPts val="0"/>
-                        </a:spcAft>
-                        <a:buClrTx/>
-                        <a:buSzTx/>
-                        <a:buFontTx/>
-                        <a:buNone/>
-                        <a:tabLst/>
-                        <a:defRPr/>
-                      </a:pPr>
-                      <a:r>
-                        <a:rPr lang="pt-PT" sz="900" dirty="0">
-                          <a:ln>
-                            <a:noFill/>
-                          </a:ln>
-                          <a:solidFill>
-                            <a:schemeClr val="tx1"/>
-                          </a:solidFill>
-                        </a:rPr>
-                        <a:t>Não implementado</a:t>
-                      </a:r>
-                    </a:p>
-                  </a:txBody>
-                  <a:tcPr>
-                    <a:solidFill>
-                      <a:schemeClr val="bg1"/>
-                    </a:solidFill>
-                  </a:tcPr>
-                </a:tc>
-                <a:extLst>
-                  <a:ext uri="{0D108BD9-81ED-4DB2-BD59-A6C34878D82A}">
-                    <a16:rowId xmlns:a16="http://schemas.microsoft.com/office/drawing/2014/main" val="3812647147"/>
-                  </a:ext>
-                </a:extLst>
-              </a:tr>
-              <a:tr h="293297">
-                <a:tc>
-                  <a:txBody>
-                    <a:bodyPr/>
-                    <a:lstStyle/>
-                    <a:p>
-                      <a:pPr marL="0" marR="0" lvl="0" indent="0" algn="l" defTabSz="914400" rtl="0" eaLnBrk="1" fontAlgn="auto" latinLnBrk="0" hangingPunct="1">
-                        <a:lnSpc>
-                          <a:spcPct val="100000"/>
-                        </a:lnSpc>
-                        <a:spcBef>
-                          <a:spcPts val="0"/>
-                        </a:spcBef>
-                        <a:spcAft>
-                          <a:spcPts val="0"/>
-                        </a:spcAft>
-                        <a:buClrTx/>
-                        <a:buSzTx/>
-                        <a:buFontTx/>
-                        <a:buNone/>
-                        <a:tabLst/>
-                        <a:defRPr/>
-                      </a:pPr>
-                      <a:r>
-                        <a:rPr kumimoji="0" lang="pt-PT" sz="900" b="0" i="0" u="none" strike="noStrike" kern="1200" cap="none" spc="0" normalizeH="0" baseline="0" noProof="0" dirty="0">
-                          <a:ln>
-                            <a:noFill/>
-                          </a:ln>
-                          <a:solidFill>
-                            <a:prstClr val="black"/>
-                          </a:solidFill>
-                          <a:effectLst/>
-                          <a:uLnTx/>
-                          <a:uFillTx/>
-                          <a:latin typeface="+mn-lt"/>
-                          <a:ea typeface="+mn-ea"/>
-                          <a:cs typeface="+mn-cs"/>
-                        </a:rPr>
-                        <a:t>Implementado Parcialmente</a:t>
-                      </a:r>
-                    </a:p>
-                  </a:txBody>
-                  <a:tcPr>
-                    <a:solidFill>
-                      <a:schemeClr val="bg1"/>
-                    </a:solidFill>
-                  </a:tcPr>
-                </a:tc>
-                <a:extLst>
-                  <a:ext uri="{0D108BD9-81ED-4DB2-BD59-A6C34878D82A}">
-                    <a16:rowId xmlns:a16="http://schemas.microsoft.com/office/drawing/2014/main" val="2020031725"/>
-                  </a:ext>
-                </a:extLst>
-              </a:tr>
-              <a:tr h="293297">
-                <a:tc>
-                  <a:txBody>
-                    <a:bodyPr/>
-                    <a:lstStyle/>
-                    <a:p>
-                      <a:pPr marL="0" marR="0" lvl="0" indent="0" algn="l" defTabSz="914400" rtl="0" eaLnBrk="1" fontAlgn="auto" latinLnBrk="0" hangingPunct="1">
-                        <a:lnSpc>
-                          <a:spcPct val="100000"/>
-                        </a:lnSpc>
-                        <a:spcBef>
-                          <a:spcPts val="0"/>
-                        </a:spcBef>
-                        <a:spcAft>
-                          <a:spcPts val="0"/>
-                        </a:spcAft>
-                        <a:buClrTx/>
-                        <a:buSzTx/>
-                        <a:buFontTx/>
-                        <a:buNone/>
-                        <a:tabLst/>
-                        <a:defRPr/>
-                      </a:pPr>
-                      <a:r>
-                        <a:rPr kumimoji="0" lang="pt-PT" sz="900" b="0" i="0" u="none" strike="noStrike" kern="1200" cap="none" spc="0" normalizeH="0" baseline="0" noProof="0" dirty="0">
-                          <a:ln>
-                            <a:noFill/>
-                          </a:ln>
-                          <a:solidFill>
-                            <a:prstClr val="black"/>
-                          </a:solidFill>
-                          <a:effectLst/>
-                          <a:uLnTx/>
-                          <a:uFillTx/>
-                          <a:latin typeface="+mn-lt"/>
-                          <a:ea typeface="+mn-ea"/>
-                          <a:cs typeface="+mn-cs"/>
-                        </a:rPr>
-                        <a:t>Não implementado</a:t>
-                      </a:r>
-                    </a:p>
-                  </a:txBody>
-                  <a:tcPr>
-                    <a:solidFill>
-                      <a:schemeClr val="bg1"/>
-                    </a:solidFill>
-                  </a:tcPr>
-                </a:tc>
-                <a:extLst>
-                  <a:ext uri="{0D108BD9-81ED-4DB2-BD59-A6C34878D82A}">
-                    <a16:rowId xmlns:a16="http://schemas.microsoft.com/office/drawing/2014/main" val="2989335002"/>
-                  </a:ext>
-                </a:extLst>
-              </a:tr>
-              <a:tr h="293297">
-                <a:tc>
-                  <a:txBody>
-                    <a:bodyPr/>
-                    <a:lstStyle/>
-                    <a:p>
-                      <a:pPr marL="0" marR="0" lvl="0" indent="0" algn="l" defTabSz="914400" rtl="0" eaLnBrk="1" fontAlgn="auto" latinLnBrk="0" hangingPunct="1">
-                        <a:lnSpc>
-                          <a:spcPct val="100000"/>
-                        </a:lnSpc>
-                        <a:spcBef>
-                          <a:spcPts val="0"/>
-                        </a:spcBef>
-                        <a:spcAft>
-                          <a:spcPts val="0"/>
-                        </a:spcAft>
-                        <a:buClrTx/>
-                        <a:buSzTx/>
-                        <a:buFontTx/>
-                        <a:buNone/>
-                        <a:tabLst/>
-                        <a:defRPr/>
-                      </a:pPr>
-                      <a:r>
-                        <a:rPr kumimoji="0" lang="pt-PT" sz="900" b="0" i="0" u="none" strike="noStrike" kern="1200" cap="none" spc="0" normalizeH="0" baseline="0" noProof="0" dirty="0">
-                          <a:ln>
-                            <a:noFill/>
-                          </a:ln>
-                          <a:solidFill>
-                            <a:prstClr val="black"/>
-                          </a:solidFill>
-                          <a:effectLst/>
-                          <a:uLnTx/>
-                          <a:uFillTx/>
-                          <a:latin typeface="+mn-lt"/>
-                          <a:ea typeface="+mn-ea"/>
-                          <a:cs typeface="+mn-cs"/>
-                        </a:rPr>
-                        <a:t>Não implementado</a:t>
-                      </a:r>
-                    </a:p>
-                  </a:txBody>
-                  <a:tcPr>
-                    <a:solidFill>
-                      <a:schemeClr val="bg1"/>
-                    </a:solidFill>
-                  </a:tcPr>
-                </a:tc>
-                <a:extLst>
-                  <a:ext uri="{0D108BD9-81ED-4DB2-BD59-A6C34878D82A}">
-                    <a16:rowId xmlns:a16="http://schemas.microsoft.com/office/drawing/2014/main" val="646638238"/>
-                  </a:ext>
-                </a:extLst>
-              </a:tr>
-              <a:tr h="293297">
-                <a:tc>
-                  <a:txBody>
-                    <a:bodyPr/>
-                    <a:lstStyle/>
-                    <a:p>
-                      <a:pPr marL="0" marR="0" lvl="0" indent="0" algn="l" defTabSz="914400" rtl="0" eaLnBrk="1" fontAlgn="auto" latinLnBrk="0" hangingPunct="1">
-                        <a:lnSpc>
-                          <a:spcPct val="100000"/>
-                        </a:lnSpc>
-                        <a:spcBef>
-                          <a:spcPts val="0"/>
-                        </a:spcBef>
-                        <a:spcAft>
-                          <a:spcPts val="0"/>
-                        </a:spcAft>
-                        <a:buClrTx/>
-                        <a:buSzTx/>
-                        <a:buFontTx/>
-                        <a:buNone/>
-                        <a:tabLst/>
-                        <a:defRPr/>
-                      </a:pPr>
-                      <a:r>
-                        <a:rPr kumimoji="0" lang="pt-PT" sz="900" b="0" i="0" u="none" strike="noStrike" kern="1200" cap="none" spc="0" normalizeH="0" baseline="0" noProof="0" dirty="0">
-                          <a:ln>
-                            <a:noFill/>
-                          </a:ln>
-                          <a:solidFill>
-                            <a:prstClr val="black"/>
-                          </a:solidFill>
-                          <a:effectLst/>
-                          <a:uLnTx/>
-                          <a:uFillTx/>
-                          <a:latin typeface="+mn-lt"/>
-                          <a:ea typeface="+mn-ea"/>
-                          <a:cs typeface="+mn-cs"/>
-                        </a:rPr>
-                        <a:t>Não implementado</a:t>
-                      </a:r>
-                    </a:p>
-                  </a:txBody>
-                  <a:tcPr>
-                    <a:solidFill>
-                      <a:schemeClr val="bg1"/>
-                    </a:solidFill>
-                  </a:tcPr>
-                </a:tc>
-                <a:extLst>
-                  <a:ext uri="{0D108BD9-81ED-4DB2-BD59-A6C34878D82A}">
-                    <a16:rowId xmlns:a16="http://schemas.microsoft.com/office/drawing/2014/main" val="810912103"/>
-                  </a:ext>
-                </a:extLst>
-              </a:tr>
-              <a:tr h="293297">
-                <a:tc>
-                  <a:txBody>
-                    <a:bodyPr/>
-                    <a:lstStyle/>
-                    <a:p>
-                      <a:pPr marL="0" marR="0" lvl="0" indent="0" algn="l" defTabSz="914400" rtl="0" eaLnBrk="1" fontAlgn="auto" latinLnBrk="0" hangingPunct="1">
-                        <a:lnSpc>
-                          <a:spcPct val="100000"/>
-                        </a:lnSpc>
-                        <a:spcBef>
-                          <a:spcPts val="0"/>
-                        </a:spcBef>
-                        <a:spcAft>
-                          <a:spcPts val="0"/>
-                        </a:spcAft>
-                        <a:buClrTx/>
-                        <a:buSzTx/>
-                        <a:buFontTx/>
-                        <a:buNone/>
-                        <a:tabLst/>
-                        <a:defRPr/>
-                      </a:pPr>
-                      <a:r>
-                        <a:rPr kumimoji="0" lang="pt-PT" sz="900" b="0" i="0" u="none" strike="noStrike" kern="1200" cap="none" spc="0" normalizeH="0" baseline="0" noProof="0" dirty="0">
-                          <a:ln>
-                            <a:noFill/>
-                          </a:ln>
-                          <a:solidFill>
-                            <a:prstClr val="black"/>
-                          </a:solidFill>
-                          <a:effectLst/>
-                          <a:uLnTx/>
-                          <a:uFillTx/>
-                          <a:latin typeface="+mn-lt"/>
-                          <a:ea typeface="+mn-ea"/>
-                          <a:cs typeface="+mn-cs"/>
-                        </a:rPr>
-                        <a:t>Não implementado</a:t>
-                      </a:r>
-                    </a:p>
-                  </a:txBody>
-                  <a:tcPr>
-                    <a:solidFill>
-                      <a:schemeClr val="bg1"/>
-                    </a:solidFill>
-                  </a:tcPr>
-                </a:tc>
-                <a:extLst>
-                  <a:ext uri="{0D108BD9-81ED-4DB2-BD59-A6C34878D82A}">
-                    <a16:rowId xmlns:a16="http://schemas.microsoft.com/office/drawing/2014/main" val="14536281"/>
-                  </a:ext>
-                </a:extLst>
-              </a:tr>
-              <a:tr h="293297">
-                <a:tc>
-                  <a:txBody>
-                    <a:bodyPr/>
-                    <a:lstStyle/>
-                    <a:p>
-                      <a:pPr marL="0" marR="0" lvl="0" indent="0" algn="l" defTabSz="914400" rtl="0" eaLnBrk="1" fontAlgn="auto" latinLnBrk="0" hangingPunct="1">
-                        <a:lnSpc>
-                          <a:spcPct val="100000"/>
-                        </a:lnSpc>
-                        <a:spcBef>
-                          <a:spcPts val="0"/>
-                        </a:spcBef>
-                        <a:spcAft>
-                          <a:spcPts val="0"/>
-                        </a:spcAft>
-                        <a:buClrTx/>
-                        <a:buSzTx/>
-                        <a:buFontTx/>
-                        <a:buNone/>
-                        <a:tabLst/>
-                        <a:defRPr/>
-                      </a:pPr>
-                      <a:r>
-                        <a:rPr kumimoji="0" lang="pt-PT" sz="900" b="0" i="0" u="none" strike="noStrike" kern="1200" cap="none" spc="0" normalizeH="0" baseline="0" noProof="0" dirty="0">
-                          <a:ln>
-                            <a:noFill/>
-                          </a:ln>
-                          <a:solidFill>
-                            <a:prstClr val="black"/>
-                          </a:solidFill>
-                          <a:effectLst/>
-                          <a:uLnTx/>
-                          <a:uFillTx/>
-                          <a:latin typeface="+mn-lt"/>
-                          <a:ea typeface="+mn-ea"/>
-                          <a:cs typeface="+mn-cs"/>
-                        </a:rPr>
-                        <a:t>Não implementado</a:t>
-                      </a:r>
-                    </a:p>
-                  </a:txBody>
-                  <a:tcPr>
-                    <a:solidFill>
-                      <a:schemeClr val="bg1"/>
-                    </a:solidFill>
-                  </a:tcPr>
-                </a:tc>
-                <a:extLst>
-                  <a:ext uri="{0D108BD9-81ED-4DB2-BD59-A6C34878D82A}">
-                    <a16:rowId xmlns:a16="http://schemas.microsoft.com/office/drawing/2014/main" val="1469502172"/>
-                  </a:ext>
-                </a:extLst>
-              </a:tr>
-              <a:tr h="293297">
-                <a:tc>
-                  <a:txBody>
-                    <a:bodyPr/>
-                    <a:lstStyle/>
-                    <a:p>
-                      <a:pPr marL="0" marR="0" lvl="0" indent="0" algn="l" defTabSz="914400" rtl="0" eaLnBrk="1" fontAlgn="auto" latinLnBrk="0" hangingPunct="1">
-                        <a:lnSpc>
-                          <a:spcPct val="100000"/>
-                        </a:lnSpc>
-                        <a:spcBef>
-                          <a:spcPts val="0"/>
-                        </a:spcBef>
-                        <a:spcAft>
-                          <a:spcPts val="0"/>
-                        </a:spcAft>
-                        <a:buClrTx/>
-                        <a:buSzTx/>
-                        <a:buFontTx/>
-                        <a:buNone/>
-                        <a:tabLst/>
-                        <a:defRPr/>
-                      </a:pPr>
-                      <a:r>
-                        <a:rPr kumimoji="0" lang="pt-PT" sz="900" b="0" i="0" u="none" strike="noStrike" kern="1200" cap="none" spc="0" normalizeH="0" baseline="0" noProof="0" dirty="0">
-                          <a:ln>
-                            <a:noFill/>
-                          </a:ln>
-                          <a:solidFill>
-                            <a:prstClr val="black"/>
-                          </a:solidFill>
-                          <a:effectLst/>
-                          <a:uLnTx/>
-                          <a:uFillTx/>
-                          <a:latin typeface="+mn-lt"/>
-                          <a:ea typeface="+mn-ea"/>
-                          <a:cs typeface="+mn-cs"/>
-                        </a:rPr>
-                        <a:t>Não implementado</a:t>
-                      </a:r>
-                    </a:p>
-                  </a:txBody>
-                  <a:tcPr>
-                    <a:solidFill>
-                      <a:schemeClr val="bg1"/>
-                    </a:solidFill>
-                  </a:tcPr>
-                </a:tc>
-                <a:extLst>
-                  <a:ext uri="{0D108BD9-81ED-4DB2-BD59-A6C34878D82A}">
-                    <a16:rowId xmlns:a16="http://schemas.microsoft.com/office/drawing/2014/main" val="2293800409"/>
-                  </a:ext>
-                </a:extLst>
-              </a:tr>
-            </a:tbl>
-          </a:graphicData>
-        </a:graphic>
-      </p:graphicFrame>
-      <p:sp>
-        <p:nvSpPr>
-          <p:cNvPr id="2" name="CaixaDeTexto 1">
-            <a:extLst>
-              <a:ext uri="{FF2B5EF4-FFF2-40B4-BE49-F238E27FC236}">
-                <a16:creationId xmlns:a16="http://schemas.microsoft.com/office/drawing/2014/main" id="{FDFA8873-DF31-4558-B2EA-590FD128354B}"/>
-              </a:ext>
-            </a:extLst>
-          </p:cNvPr>
-          <p:cNvSpPr txBox="1"/>
-          <p:nvPr/>
-        </p:nvSpPr>
-        <p:spPr>
-          <a:xfrm>
-            <a:off x="8766085" y="4839526"/>
-            <a:ext cx="360040" cy="215444"/>
-          </a:xfrm>
-          <a:prstGeom prst="rect">
-            <a:avLst/>
-          </a:prstGeom>
-          <a:noFill/>
-        </p:spPr>
-        <p:txBody>
-          <a:bodyPr wrap="square" rtlCol="0">
-            <a:spAutoFit/>
-          </a:bodyPr>
-          <a:lstStyle/>
-          <a:p>
-            <a:pPr marL="0" marR="0" lvl="0" indent="0" algn="l" defTabSz="914400" rtl="0" eaLnBrk="1" fontAlgn="auto" latinLnBrk="0" hangingPunct="1">
-              <a:lnSpc>
-                <a:spcPct val="100000"/>
-              </a:lnSpc>
-              <a:spcBef>
-                <a:spcPts val="0"/>
-              </a:spcBef>
-              <a:spcAft>
-                <a:spcPts val="0"/>
-              </a:spcAft>
-              <a:buClrTx/>
-              <a:buSzTx/>
-              <a:buFontTx/>
-              <a:buNone/>
-              <a:tabLst/>
-              <a:defRPr/>
-            </a:pPr>
-            <a:r>
-              <a:rPr kumimoji="0" lang="pt-PT" sz="800" b="1" i="0" u="none" strike="noStrike" kern="1200" cap="none" spc="0" normalizeH="0" baseline="0" noProof="0" dirty="0">
-                <a:ln>
-                  <a:noFill/>
-                </a:ln>
-                <a:solidFill>
-                  <a:schemeClr val="bg1">
-                    <a:lumMod val="50000"/>
-                  </a:schemeClr>
-                </a:solidFill>
-                <a:effectLst/>
-                <a:uLnTx/>
-                <a:uFillTx/>
-                <a:latin typeface="Calibri"/>
-                <a:ea typeface="+mn-ea"/>
-                <a:cs typeface="+mn-cs"/>
-              </a:rPr>
-              <a:t>9</a:t>
-            </a:r>
-          </a:p>
-        </p:txBody>
-      </p:sp>
-    </p:spTree>
-    <p:extLst>
-      <p:ext uri="{BB962C8B-B14F-4D97-AF65-F5344CB8AC3E}">
-        <p14:creationId xmlns:p14="http://schemas.microsoft.com/office/powerpoint/2010/main" val="3656127920"/>
-      </p:ext>
-    </p:extLst>
-  </p:cSld>
-  <p:clrMapOvr>
-    <a:masterClrMapping/>
-  </p:clrMapOvr>
-  <mc:AlternateContent xmlns:mc="http://schemas.openxmlformats.org/markup-compatibility/2006" xmlns:p159="http://schemas.microsoft.com/office/powerpoint/2015/09/main">
-    <mc:Choice Requires="p159">
-      <p:transition xmlns:p14="http://schemas.microsoft.com/office/powerpoint/2010/main" spd="slow" p14:dur="2000">
-        <p159:morph option="byObject"/>
-      </p:transition>
-    </mc:Choice>
-    <mc:Fallback xmlns="">
-      <p:transition spd="slow">
-        <p:fade/>
-      </p:transition>
-    </mc:Fallback>
-  </mc:AlternateContent>
-</p:sld>
-</file>
-
-<file path=ppt/slides/slide11.xml><?xml version="1.0" encoding="utf-8"?>
-<p:sld xmlns:a="http://schemas.openxmlformats.org/drawingml/2006/main" xmlns:r="http://schemas.openxmlformats.org/officeDocument/2006/relationships" xmlns:p="http://schemas.openxmlformats.org/presentationml/2006/main">
-  <p:cSld>
-    <p:spTree>
-      <p:nvGrpSpPr>
-        <p:cNvPr id="1" name=""/>
-        <p:cNvGrpSpPr/>
-        <p:nvPr/>
-      </p:nvGrpSpPr>
-      <p:grpSpPr>
-        <a:xfrm>
-          <a:off x="0" y="0"/>
-          <a:ext cx="0" cy="0"/>
-          <a:chOff x="0" y="0"/>
-          <a:chExt cx="0" cy="0"/>
-        </a:xfrm>
-      </p:grpSpPr>
-      <p:sp>
-        <p:nvSpPr>
-          <p:cNvPr id="17" name="Rectângulo 16"/>
-          <p:cNvSpPr/>
-          <p:nvPr/>
-        </p:nvSpPr>
-        <p:spPr>
-          <a:xfrm>
-            <a:off x="-6749" y="-23598"/>
-            <a:ext cx="9144000" cy="4840002"/>
-          </a:xfrm>
-          <a:prstGeom prst="rect">
-            <a:avLst/>
-          </a:prstGeom>
-          <a:solidFill>
-            <a:schemeClr val="bg1">
-              <a:lumMod val="95000"/>
-            </a:schemeClr>
-          </a:solidFill>
-          <a:ln>
-            <a:noFill/>
-          </a:ln>
-        </p:spPr>
-        <p:style>
-          <a:lnRef idx="2">
-            <a:schemeClr val="accent1">
-              <a:shade val="50000"/>
-            </a:schemeClr>
-          </a:lnRef>
-          <a:fillRef idx="1">
-            <a:schemeClr val="accent1"/>
-          </a:fillRef>
-          <a:effectRef idx="0">
-            <a:schemeClr val="accent1"/>
-          </a:effectRef>
-          <a:fontRef idx="minor">
-            <a:schemeClr val="lt1"/>
-          </a:fontRef>
-        </p:style>
-        <p:txBody>
-          <a:bodyPr rtlCol="0" anchor="ctr"/>
-          <a:lstStyle/>
-          <a:p>
-            <a:pPr algn="ctr"/>
-            <a:endParaRPr lang="pt-PT"/>
-          </a:p>
-        </p:txBody>
-      </p:sp>
-      <p:sp>
-        <p:nvSpPr>
-          <p:cNvPr id="9" name="Título 1"/>
-          <p:cNvSpPr txBox="1">
-            <a:spLocks/>
-          </p:cNvSpPr>
-          <p:nvPr/>
-        </p:nvSpPr>
-        <p:spPr>
-          <a:xfrm>
-            <a:off x="323528" y="357504"/>
-            <a:ext cx="6838528" cy="433871"/>
-          </a:xfrm>
-          <a:prstGeom prst="rect">
-            <a:avLst/>
-          </a:prstGeom>
-        </p:spPr>
-        <p:txBody>
-          <a:bodyPr vert="horz" lIns="91440" tIns="45720" rIns="91440" bIns="45720" rtlCol="0" anchor="ctr">
-            <a:normAutofit fontScale="85000" lnSpcReduction="20000"/>
-          </a:bodyPr>
-          <a:lstStyle>
-            <a:lvl1pPr algn="ctr" defTabSz="914400" rtl="0" eaLnBrk="1" latinLnBrk="0" hangingPunct="1">
-              <a:spcBef>
-                <a:spcPct val="0"/>
-              </a:spcBef>
-              <a:buNone/>
-              <a:defRPr sz="4400" kern="1200">
-                <a:solidFill>
-                  <a:schemeClr val="tx1"/>
-                </a:solidFill>
-                <a:latin typeface="+mj-lt"/>
-                <a:ea typeface="+mj-ea"/>
-                <a:cs typeface="+mj-cs"/>
-              </a:defRPr>
-            </a:lvl1pPr>
-          </a:lstStyle>
-          <a:p>
-            <a:pPr algn="l"/>
-            <a:r>
-              <a:rPr lang="pt-PT" sz="3200" b="1" dirty="0">
-                <a:solidFill>
-                  <a:schemeClr val="tx1">
-                    <a:lumMod val="95000"/>
-                    <a:lumOff val="5000"/>
-                  </a:schemeClr>
-                </a:solidFill>
-                <a:latin typeface="+mn-lt"/>
-              </a:rPr>
-              <a:t>Distribuição de tarefas</a:t>
-            </a:r>
-          </a:p>
-        </p:txBody>
-      </p:sp>
-      <p:cxnSp>
-        <p:nvCxnSpPr>
-          <p:cNvPr id="11" name="Conexão recta 10"/>
-          <p:cNvCxnSpPr/>
-          <p:nvPr/>
-        </p:nvCxnSpPr>
-        <p:spPr>
-          <a:xfrm>
-            <a:off x="428130" y="789552"/>
-            <a:ext cx="5512022" cy="0"/>
-          </a:xfrm>
-          <a:prstGeom prst="line">
-            <a:avLst/>
-          </a:prstGeom>
-          <a:ln w="28575">
-            <a:solidFill>
-              <a:schemeClr val="tx1">
-                <a:lumMod val="95000"/>
-                <a:lumOff val="5000"/>
-              </a:schemeClr>
-            </a:solidFill>
-          </a:ln>
-        </p:spPr>
-        <p:style>
-          <a:lnRef idx="1">
-            <a:schemeClr val="accent1"/>
-          </a:lnRef>
-          <a:fillRef idx="0">
-            <a:schemeClr val="accent1"/>
-          </a:fillRef>
-          <a:effectRef idx="0">
-            <a:schemeClr val="accent1"/>
-          </a:effectRef>
-          <a:fontRef idx="minor">
-            <a:schemeClr val="tx1"/>
-          </a:fontRef>
-        </p:style>
-      </p:cxnSp>
-      <p:sp>
-        <p:nvSpPr>
-          <p:cNvPr id="16" name="Título 1"/>
-          <p:cNvSpPr txBox="1">
-            <a:spLocks/>
-          </p:cNvSpPr>
-          <p:nvPr/>
-        </p:nvSpPr>
-        <p:spPr>
-          <a:xfrm>
-            <a:off x="323528" y="195487"/>
-            <a:ext cx="6587616" cy="252329"/>
-          </a:xfrm>
-          <a:prstGeom prst="rect">
-            <a:avLst/>
-          </a:prstGeom>
-        </p:spPr>
-        <p:txBody>
-          <a:bodyPr vert="horz" lIns="91440" tIns="45720" rIns="91440" bIns="45720" rtlCol="0" anchor="ctr">
-            <a:normAutofit/>
-          </a:bodyPr>
-          <a:lstStyle>
-            <a:lvl1pPr algn="ctr" defTabSz="914400" rtl="0" eaLnBrk="1" latinLnBrk="0" hangingPunct="1">
-              <a:spcBef>
-                <a:spcPct val="0"/>
-              </a:spcBef>
-              <a:buNone/>
-              <a:defRPr sz="4400" kern="1200">
-                <a:solidFill>
-                  <a:schemeClr val="tx1"/>
-                </a:solidFill>
-                <a:latin typeface="+mj-lt"/>
-                <a:ea typeface="+mj-ea"/>
-                <a:cs typeface="+mj-cs"/>
-              </a:defRPr>
-            </a:lvl1pPr>
-          </a:lstStyle>
-          <a:p>
-            <a:pPr algn="l"/>
-            <a:r>
-              <a:rPr lang="pt-PT" sz="1000" b="1" dirty="0">
-                <a:solidFill>
-                  <a:schemeClr val="tx1">
-                    <a:lumMod val="95000"/>
-                    <a:lumOff val="5000"/>
-                  </a:schemeClr>
-                </a:solidFill>
-                <a:latin typeface="+mn-lt"/>
-              </a:rPr>
-              <a:t>SARAMAGO</a:t>
-            </a:r>
-            <a:endParaRPr lang="pt-PT" sz="1000" dirty="0">
-              <a:solidFill>
-                <a:schemeClr val="tx1">
-                  <a:lumMod val="95000"/>
-                  <a:lumOff val="5000"/>
-                </a:schemeClr>
-              </a:solidFill>
-              <a:latin typeface="+mn-lt"/>
-            </a:endParaRPr>
-          </a:p>
-          <a:p>
-            <a:pPr algn="l"/>
-            <a:endParaRPr lang="pt-PT" sz="1000" b="1" dirty="0">
-              <a:solidFill>
-                <a:schemeClr val="tx1">
-                  <a:lumMod val="95000"/>
-                  <a:lumOff val="5000"/>
-                </a:schemeClr>
-              </a:solidFill>
-            </a:endParaRPr>
-          </a:p>
-        </p:txBody>
-      </p:sp>
-      <p:sp>
-        <p:nvSpPr>
-          <p:cNvPr id="12" name="Marcador de Posição da Data 4"/>
-          <p:cNvSpPr txBox="1">
-            <a:spLocks/>
-          </p:cNvSpPr>
-          <p:nvPr/>
-        </p:nvSpPr>
-        <p:spPr>
-          <a:xfrm>
-            <a:off x="350168" y="4840002"/>
-            <a:ext cx="2133600" cy="273844"/>
-          </a:xfrm>
-          <a:prstGeom prst="rect">
-            <a:avLst/>
-          </a:prstGeom>
-        </p:spPr>
-        <p:txBody>
-          <a:bodyPr vert="horz" lIns="91440" tIns="45720" rIns="91440" bIns="45720" rtlCol="0" anchor="ctr"/>
-          <a:lstStyle>
-            <a:defPPr>
-              <a:defRPr lang="pt-PT"/>
-            </a:defPPr>
-            <a:lvl1pPr marL="0" algn="l" defTabSz="914400" rtl="0" eaLnBrk="1" latinLnBrk="0" hangingPunct="1">
-              <a:defRPr sz="1200" kern="1200">
-                <a:solidFill>
-                  <a:schemeClr val="tx1">
-                    <a:tint val="75000"/>
-                  </a:schemeClr>
-                </a:solidFill>
-                <a:latin typeface="+mn-lt"/>
-                <a:ea typeface="+mn-ea"/>
-                <a:cs typeface="+mn-cs"/>
-              </a:defRPr>
-            </a:lvl1pPr>
-            <a:lvl2pPr marL="457200" algn="l" defTabSz="914400" rtl="0" eaLnBrk="1" latinLnBrk="0" hangingPunct="1">
-              <a:defRPr sz="1800" kern="1200">
-                <a:solidFill>
-                  <a:schemeClr val="tx1"/>
-                </a:solidFill>
-                <a:latin typeface="+mn-lt"/>
-                <a:ea typeface="+mn-ea"/>
-                <a:cs typeface="+mn-cs"/>
-              </a:defRPr>
-            </a:lvl2pPr>
-            <a:lvl3pPr marL="914400" algn="l" defTabSz="914400" rtl="0" eaLnBrk="1" latinLnBrk="0" hangingPunct="1">
-              <a:defRPr sz="1800" kern="1200">
-                <a:solidFill>
-                  <a:schemeClr val="tx1"/>
-                </a:solidFill>
-                <a:latin typeface="+mn-lt"/>
-                <a:ea typeface="+mn-ea"/>
-                <a:cs typeface="+mn-cs"/>
-              </a:defRPr>
-            </a:lvl3pPr>
-            <a:lvl4pPr marL="1371600" algn="l" defTabSz="914400" rtl="0" eaLnBrk="1" latinLnBrk="0" hangingPunct="1">
-              <a:defRPr sz="1800" kern="1200">
-                <a:solidFill>
-                  <a:schemeClr val="tx1"/>
-                </a:solidFill>
-                <a:latin typeface="+mn-lt"/>
-                <a:ea typeface="+mn-ea"/>
-                <a:cs typeface="+mn-cs"/>
-              </a:defRPr>
-            </a:lvl4pPr>
-            <a:lvl5pPr marL="1828800" algn="l" defTabSz="914400" rtl="0" eaLnBrk="1" latinLnBrk="0" hangingPunct="1">
-              <a:defRPr sz="1800" kern="1200">
-                <a:solidFill>
-                  <a:schemeClr val="tx1"/>
-                </a:solidFill>
-                <a:latin typeface="+mn-lt"/>
-                <a:ea typeface="+mn-ea"/>
-                <a:cs typeface="+mn-cs"/>
-              </a:defRPr>
-            </a:lvl5pPr>
-            <a:lvl6pPr marL="2286000" algn="l" defTabSz="914400" rtl="0" eaLnBrk="1" latinLnBrk="0" hangingPunct="1">
-              <a:defRPr sz="1800" kern="1200">
-                <a:solidFill>
-                  <a:schemeClr val="tx1"/>
-                </a:solidFill>
-                <a:latin typeface="+mn-lt"/>
-                <a:ea typeface="+mn-ea"/>
-                <a:cs typeface="+mn-cs"/>
-              </a:defRPr>
-            </a:lvl6pPr>
-            <a:lvl7pPr marL="2743200" algn="l" defTabSz="914400" rtl="0" eaLnBrk="1" latinLnBrk="0" hangingPunct="1">
-              <a:defRPr sz="1800" kern="1200">
-                <a:solidFill>
-                  <a:schemeClr val="tx1"/>
-                </a:solidFill>
-                <a:latin typeface="+mn-lt"/>
-                <a:ea typeface="+mn-ea"/>
-                <a:cs typeface="+mn-cs"/>
-              </a:defRPr>
-            </a:lvl7pPr>
-            <a:lvl8pPr marL="3200400" algn="l" defTabSz="914400" rtl="0" eaLnBrk="1" latinLnBrk="0" hangingPunct="1">
-              <a:defRPr sz="1800" kern="1200">
-                <a:solidFill>
-                  <a:schemeClr val="tx1"/>
-                </a:solidFill>
-                <a:latin typeface="+mn-lt"/>
-                <a:ea typeface="+mn-ea"/>
-                <a:cs typeface="+mn-cs"/>
-              </a:defRPr>
-            </a:lvl8pPr>
-            <a:lvl9pPr marL="3657600" algn="l" defTabSz="914400" rtl="0" eaLnBrk="1" latinLnBrk="0" hangingPunct="1">
-              <a:defRPr sz="1800" kern="1200">
-                <a:solidFill>
-                  <a:schemeClr val="tx1"/>
-                </a:solidFill>
-                <a:latin typeface="+mn-lt"/>
-                <a:ea typeface="+mn-ea"/>
-                <a:cs typeface="+mn-cs"/>
-              </a:defRPr>
-            </a:lvl9pPr>
-          </a:lstStyle>
-          <a:p>
-            <a:fld id="{C2DE1785-620F-4DE8-A7D0-6CC8413DFAC9}" type="datetime1">
-              <a:rPr lang="pt-PT" sz="800" b="1" smtClean="0"/>
-              <a:pPr/>
-              <a:t>21/01/2021</a:t>
+              <a:t>21/01/21</a:t>
             </a:fld>
             <a:endParaRPr lang="pt-PT" sz="800" b="1" dirty="0"/>
           </a:p>
@@ -10290,7 +9036,7 @@
 </p:sld>
 </file>
 
-<file path=ppt/slides/slide12.xml><?xml version="1.0" encoding="utf-8"?>
+<file path=ppt/slides/slide11.xml><?xml version="1.0" encoding="utf-8"?>
 <p:sld xmlns:a="http://schemas.openxmlformats.org/drawingml/2006/main" xmlns:r="http://schemas.openxmlformats.org/officeDocument/2006/relationships" xmlns:p="http://schemas.openxmlformats.org/presentationml/2006/main">
   <p:cSld>
     <p:spTree>
@@ -10799,7 +9545,7 @@
             <a:fld id="{C2DE1785-620F-4DE8-A7D0-6CC8413DFAC9}" type="datetime1">
               <a:rPr lang="pt-PT" sz="800" b="1" smtClean="0"/>
               <a:pPr/>
-              <a:t>21/01/2021</a:t>
+              <a:t>21/01/21</a:t>
             </a:fld>
             <a:endParaRPr lang="pt-PT" sz="800" b="1" dirty="0"/>
           </a:p>
@@ -11482,7 +10228,7 @@
             <a:fld id="{C2DE1785-620F-4DE8-A7D0-6CC8413DFAC9}" type="datetime1">
               <a:rPr lang="pt-PT" sz="800" b="1" smtClean="0"/>
               <a:pPr/>
-              <a:t>21/01/2021</a:t>
+              <a:t>21/01/21</a:t>
             </a:fld>
             <a:endParaRPr lang="pt-PT" sz="800" b="1" dirty="0"/>
           </a:p>
@@ -12085,7 +10831,7 @@
             <a:fld id="{C2DE1785-620F-4DE8-A7D0-6CC8413DFAC9}" type="datetime1">
               <a:rPr lang="pt-PT" sz="800" b="1" smtClean="0"/>
               <a:pPr/>
-              <a:t>21/01/2021</a:t>
+              <a:t>21/01/21</a:t>
             </a:fld>
             <a:endParaRPr lang="pt-PT" sz="800" b="1" dirty="0"/>
           </a:p>
@@ -12305,8 +11051,8 @@
         </p:blipFill>
         <p:spPr>
           <a:xfrm>
-            <a:off x="5220072" y="1811212"/>
-            <a:ext cx="3495797" cy="2542736"/>
+            <a:off x="4614935" y="1185278"/>
+            <a:ext cx="4200694" cy="3055457"/>
           </a:xfrm>
           <a:prstGeom prst="rect">
             <a:avLst/>
@@ -12328,7 +11074,7 @@
         <p:spPr>
           <a:xfrm>
             <a:off x="428131" y="1113588"/>
-            <a:ext cx="5512022" cy="1711366"/>
+            <a:ext cx="4100935" cy="2187330"/>
           </a:xfrm>
           <a:prstGeom prst="rect">
             <a:avLst/>
@@ -12354,8 +11100,8 @@
               <a:buSzPct val="84000"/>
             </a:pPr>
             <a:r>
-              <a:rPr lang="pt-PT" dirty="0"/>
-              <a:t>Das 20 funcionalidades propostas inicialmente, apenas XX foram criadas. </a:t>
+              <a:rPr lang="pt-PT" sz="1400" dirty="0"/>
+              <a:t>Das 20 funcionalidades propostas inicialmente, apenas 03 foram criadas. </a:t>
             </a:r>
           </a:p>
           <a:p>
@@ -12371,7 +11117,7 @@
               </a:buClr>
               <a:buSzPct val="84000"/>
             </a:pPr>
-            <a:endParaRPr lang="pt-PT" dirty="0"/>
+            <a:endParaRPr lang="pt-PT" sz="1400" dirty="0"/>
           </a:p>
           <a:p>
             <a:pPr>
@@ -12387,8 +11133,62 @@
               <a:buSzPct val="84000"/>
             </a:pPr>
             <a:r>
-              <a:rPr lang="pt-PT" dirty="0"/>
+              <a:rPr lang="pt-PT" sz="1400" dirty="0"/>
               <a:t>Nomeadamente:</a:t>
+            </a:r>
+          </a:p>
+          <a:p>
+            <a:pPr>
+              <a:lnSpc>
+                <a:spcPct val="150000"/>
+              </a:lnSpc>
+              <a:buClr>
+                <a:schemeClr val="tx1">
+                  <a:lumMod val="95000"/>
+                  <a:lumOff val="5000"/>
+                </a:schemeClr>
+              </a:buClr>
+              <a:buSzPct val="84000"/>
+            </a:pPr>
+            <a:r>
+              <a:rPr lang="pt-PT" sz="1200" dirty="0"/>
+              <a:t>RF 01 – Visualização, inserção, edição e eliminação de leitores.</a:t>
+            </a:r>
+          </a:p>
+          <a:p>
+            <a:pPr>
+              <a:lnSpc>
+                <a:spcPct val="150000"/>
+              </a:lnSpc>
+              <a:buClr>
+                <a:schemeClr val="tx1">
+                  <a:lumMod val="95000"/>
+                  <a:lumOff val="5000"/>
+                </a:schemeClr>
+              </a:buClr>
+              <a:buSzPct val="84000"/>
+            </a:pPr>
+            <a:r>
+              <a:rPr lang="pt-PT" sz="1200" dirty="0"/>
+              <a:t>RF 02 – Visualização das informações do leitor.</a:t>
+            </a:r>
+          </a:p>
+          <a:p>
+            <a:pPr>
+              <a:lnSpc>
+                <a:spcPct val="150000"/>
+              </a:lnSpc>
+              <a:buClr>
+                <a:schemeClr val="tx1">
+                  <a:lumMod val="95000"/>
+                  <a:lumOff val="5000"/>
+                </a:schemeClr>
+              </a:buClr>
+              <a:buSzPct val="84000"/>
+            </a:pPr>
+            <a:r>
+              <a:rPr lang="pt-PT" sz="1200" dirty="0"/>
+              <a:t>RF 06 – Visualização, inserção, edição e eliminação de obras.</a:t>
             </a:r>
           </a:p>
         </p:txBody>
@@ -12627,7 +11427,7 @@
               <a:t>SARAMAGO . </a:t>
             </a:r>
             <a:r>
-              <a:rPr lang="pt-PT" sz="1000" dirty="0" err="1">
+              <a:rPr lang="pt-PT" sz="1000" dirty="0">
                 <a:solidFill>
                   <a:schemeClr val="tx1">
                     <a:lumMod val="95000"/>
@@ -12636,17 +11436,8 @@
                 </a:solidFill>
                 <a:latin typeface="+mn-lt"/>
               </a:rPr>
-              <a:t>Mockups</a:t>
-            </a:r>
-            <a:endParaRPr lang="pt-PT" sz="1000" dirty="0">
-              <a:solidFill>
-                <a:schemeClr val="tx1">
-                  <a:lumMod val="95000"/>
-                  <a:lumOff val="5000"/>
-                </a:schemeClr>
-              </a:solidFill>
-              <a:latin typeface="+mn-lt"/>
-            </a:endParaRPr>
+              <a:t>Telas</a:t>
+            </a:r>
           </a:p>
           <a:p>
             <a:pPr algn="l"/>
@@ -12781,7 +11572,7 @@
             <a:fld id="{C2DE1785-620F-4DE8-A7D0-6CC8413DFAC9}" type="datetime1">
               <a:rPr lang="pt-PT" sz="800" b="1" smtClean="0"/>
               <a:pPr/>
-              <a:t>21/01/2021</a:t>
+              <a:t>21/01/21</a:t>
             </a:fld>
             <a:endParaRPr lang="pt-PT" sz="800" b="1" dirty="0"/>
           </a:p>
@@ -13287,7 +12078,7 @@
               <a:t>SARAMAGO . </a:t>
             </a:r>
             <a:r>
-              <a:rPr lang="pt-PT" sz="1000" dirty="0" err="1">
+              <a:rPr lang="pt-PT" sz="1000" dirty="0">
                 <a:solidFill>
                   <a:schemeClr val="tx1">
                     <a:lumMod val="95000"/>
@@ -13296,17 +12087,8 @@
                 </a:solidFill>
                 <a:latin typeface="+mn-lt"/>
               </a:rPr>
-              <a:t>Mockups</a:t>
-            </a:r>
-            <a:endParaRPr lang="pt-PT" sz="1000" dirty="0">
-              <a:solidFill>
-                <a:schemeClr val="tx1">
-                  <a:lumMod val="95000"/>
-                  <a:lumOff val="5000"/>
-                </a:schemeClr>
-              </a:solidFill>
-              <a:latin typeface="+mn-lt"/>
-            </a:endParaRPr>
+              <a:t>Telas</a:t>
+            </a:r>
           </a:p>
           <a:p>
             <a:pPr algn="l"/>
@@ -13441,7 +12223,7 @@
             <a:fld id="{C2DE1785-620F-4DE8-A7D0-6CC8413DFAC9}" type="datetime1">
               <a:rPr lang="pt-PT" sz="800" b="1" smtClean="0"/>
               <a:pPr/>
-              <a:t>21/01/2021</a:t>
+              <a:t>21/01/21</a:t>
             </a:fld>
             <a:endParaRPr lang="pt-PT" sz="800" b="1" dirty="0"/>
           </a:p>
@@ -13586,7 +12368,7 @@
         </p:nvSpPr>
         <p:spPr>
           <a:xfrm>
-            <a:off x="2055377" y="4437294"/>
+            <a:off x="526893" y="4493608"/>
             <a:ext cx="1956875" cy="292388"/>
           </a:xfrm>
           <a:prstGeom prst="rect">
@@ -13623,7 +12405,7 @@
         </p:nvSpPr>
         <p:spPr>
           <a:xfrm>
-            <a:off x="4936091" y="4440937"/>
+            <a:off x="3533802" y="4509538"/>
             <a:ext cx="1948471" cy="307777"/>
           </a:xfrm>
           <a:prstGeom prst="rect">
@@ -13743,8 +12525,8 @@
         </p:blipFill>
         <p:spPr>
           <a:xfrm>
-            <a:off x="4936092" y="1203961"/>
-            <a:ext cx="1948471" cy="3236976"/>
+            <a:off x="3597765" y="1280522"/>
+            <a:ext cx="1948124" cy="3236400"/>
           </a:xfrm>
           <a:prstGeom prst="rect">
             <a:avLst/>
@@ -13773,7 +12555,7 @@
         </p:blipFill>
         <p:spPr>
           <a:xfrm>
-            <a:off x="2055378" y="1203961"/>
+            <a:off x="590229" y="1280522"/>
             <a:ext cx="1956875" cy="3236976"/>
           </a:xfrm>
           <a:prstGeom prst="rect">
@@ -13781,6 +12563,84 @@
           </a:prstGeom>
         </p:spPr>
       </p:pic>
+      <p:pic>
+        <p:nvPicPr>
+          <p:cNvPr id="13" name="Imagem 12">
+            <a:extLst>
+              <a:ext uri="{FF2B5EF4-FFF2-40B4-BE49-F238E27FC236}">
+                <a16:creationId xmlns:a16="http://schemas.microsoft.com/office/drawing/2014/main" id="{FC4F0145-D1F2-C441-A3B6-82B68A05C521}"/>
+              </a:ext>
+            </a:extLst>
+          </p:cNvPr>
+          <p:cNvPicPr>
+            <a:picLocks noChangeAspect="1"/>
+          </p:cNvPicPr>
+          <p:nvPr/>
+        </p:nvPicPr>
+        <p:blipFill>
+          <a:blip r:embed="rId5"/>
+          <a:stretch>
+            <a:fillRect/>
+          </a:stretch>
+        </p:blipFill>
+        <p:spPr>
+          <a:xfrm>
+            <a:off x="6595923" y="1280522"/>
+            <a:ext cx="1957500" cy="3236400"/>
+          </a:xfrm>
+          <a:prstGeom prst="rect">
+            <a:avLst/>
+          </a:prstGeom>
+        </p:spPr>
+      </p:pic>
+      <p:sp>
+        <p:nvSpPr>
+          <p:cNvPr id="14" name="CaixaDeTexto 13">
+            <a:extLst>
+              <a:ext uri="{FF2B5EF4-FFF2-40B4-BE49-F238E27FC236}">
+                <a16:creationId xmlns:a16="http://schemas.microsoft.com/office/drawing/2014/main" id="{B706879D-45D7-4A47-8918-3AC0C5562A0E}"/>
+              </a:ext>
+            </a:extLst>
+          </p:cNvPr>
+          <p:cNvSpPr txBox="1"/>
+          <p:nvPr/>
+        </p:nvSpPr>
+        <p:spPr>
+          <a:xfrm>
+            <a:off x="6711452" y="4509538"/>
+            <a:ext cx="1726442" cy="292388"/>
+          </a:xfrm>
+          <a:prstGeom prst="rect">
+            <a:avLst/>
+          </a:prstGeom>
+          <a:noFill/>
+        </p:spPr>
+        <p:txBody>
+          <a:bodyPr wrap="square" rtlCol="0">
+            <a:spAutoFit/>
+          </a:bodyPr>
+          <a:lstStyle/>
+          <a:p>
+            <a:pPr algn="ctr"/>
+            <a:r>
+              <a:rPr lang="pt-PT" sz="1300" dirty="0" err="1"/>
+              <a:t>Alert</a:t>
+            </a:r>
+            <a:r>
+              <a:rPr lang="pt-PT" sz="1300" dirty="0"/>
+              <a:t> </a:t>
+            </a:r>
+            <a:r>
+              <a:rPr lang="pt-PT" sz="1300" dirty="0" err="1"/>
+              <a:t>Dialog</a:t>
+            </a:r>
+            <a:r>
+              <a:rPr lang="pt-PT" sz="1300" dirty="0"/>
+              <a:t> de Logout</a:t>
+            </a:r>
+          </a:p>
+        </p:txBody>
+      </p:sp>
     </p:spTree>
     <p:extLst>
       <p:ext uri="{BB962C8B-B14F-4D97-AF65-F5344CB8AC3E}">
@@ -14015,7 +12875,7 @@
               <a:t>SARAMAGO . </a:t>
             </a:r>
             <a:r>
-              <a:rPr lang="pt-PT" sz="1000" dirty="0" err="1">
+              <a:rPr lang="pt-PT" sz="1000" dirty="0">
                 <a:solidFill>
                   <a:schemeClr val="tx1">
                     <a:lumMod val="95000"/>
@@ -14024,17 +12884,8 @@
                 </a:solidFill>
                 <a:latin typeface="+mn-lt"/>
               </a:rPr>
-              <a:t>Mockups</a:t>
-            </a:r>
-            <a:endParaRPr lang="pt-PT" sz="1000" dirty="0">
-              <a:solidFill>
-                <a:schemeClr val="tx1">
-                  <a:lumMod val="95000"/>
-                  <a:lumOff val="5000"/>
-                </a:schemeClr>
-              </a:solidFill>
-              <a:latin typeface="+mn-lt"/>
-            </a:endParaRPr>
+              <a:t>Telas</a:t>
+            </a:r>
           </a:p>
           <a:p>
             <a:pPr algn="l"/>
@@ -14169,7 +13020,7 @@
             <a:fld id="{C2DE1785-620F-4DE8-A7D0-6CC8413DFAC9}" type="datetime1">
               <a:rPr lang="pt-PT" sz="800" b="1" smtClean="0"/>
               <a:pPr/>
-              <a:t>21/01/2021</a:t>
+              <a:t>21/01/21</a:t>
             </a:fld>
             <a:endParaRPr lang="pt-PT" sz="800" b="1" dirty="0"/>
           </a:p>
@@ -14297,111 +13148,6 @@
               <a:t>POLITÉCNICO DE LEIRIA</a:t>
             </a:r>
             <a:endParaRPr lang="pt-PT" sz="800" b="1" dirty="0"/>
-          </a:p>
-        </p:txBody>
-      </p:sp>
-      <p:sp>
-        <p:nvSpPr>
-          <p:cNvPr id="27" name="CaixaDeTexto 26">
-            <a:extLst>
-              <a:ext uri="{FF2B5EF4-FFF2-40B4-BE49-F238E27FC236}">
-                <a16:creationId xmlns:a16="http://schemas.microsoft.com/office/drawing/2014/main" id="{9DF2DF96-C25D-1643-B009-32E6EA1DFED4}"/>
-              </a:ext>
-            </a:extLst>
-          </p:cNvPr>
-          <p:cNvSpPr txBox="1"/>
-          <p:nvPr/>
-        </p:nvSpPr>
-        <p:spPr>
-          <a:xfrm>
-            <a:off x="3790825" y="4362936"/>
-            <a:ext cx="1152880" cy="292388"/>
-          </a:xfrm>
-          <a:prstGeom prst="rect">
-            <a:avLst/>
-          </a:prstGeom>
-          <a:noFill/>
-        </p:spPr>
-        <p:txBody>
-          <a:bodyPr wrap="none" rtlCol="0">
-            <a:spAutoFit/>
-          </a:bodyPr>
-          <a:lstStyle/>
-          <a:p>
-            <a:r>
-              <a:rPr lang="pt-PT" sz="1300" dirty="0"/>
-              <a:t>Ficha do leitor</a:t>
-            </a:r>
-          </a:p>
-        </p:txBody>
-      </p:sp>
-      <p:sp>
-        <p:nvSpPr>
-          <p:cNvPr id="28" name="CaixaDeTexto 27">
-            <a:extLst>
-              <a:ext uri="{FF2B5EF4-FFF2-40B4-BE49-F238E27FC236}">
-                <a16:creationId xmlns:a16="http://schemas.microsoft.com/office/drawing/2014/main" id="{E5840C1B-1521-2844-9ED0-710DCFC7B647}"/>
-              </a:ext>
-            </a:extLst>
-          </p:cNvPr>
-          <p:cNvSpPr txBox="1"/>
-          <p:nvPr/>
-        </p:nvSpPr>
-        <p:spPr>
-          <a:xfrm>
-            <a:off x="1361549" y="4362936"/>
-            <a:ext cx="1573379" cy="292388"/>
-          </a:xfrm>
-          <a:prstGeom prst="rect">
-            <a:avLst/>
-          </a:prstGeom>
-          <a:noFill/>
-        </p:spPr>
-        <p:txBody>
-          <a:bodyPr wrap="none" rtlCol="0">
-            <a:spAutoFit/>
-          </a:bodyPr>
-          <a:lstStyle/>
-          <a:p>
-            <a:r>
-              <a:rPr lang="pt-PT" sz="1300" dirty="0"/>
-              <a:t>Listagem de Leitores</a:t>
-            </a:r>
-          </a:p>
-        </p:txBody>
-      </p:sp>
-      <p:sp>
-        <p:nvSpPr>
-          <p:cNvPr id="30" name="CaixaDeTexto 29">
-            <a:extLst>
-              <a:ext uri="{FF2B5EF4-FFF2-40B4-BE49-F238E27FC236}">
-                <a16:creationId xmlns:a16="http://schemas.microsoft.com/office/drawing/2014/main" id="{3ABD9C92-FFE0-8246-9AA9-AFAF16FBFC71}"/>
-              </a:ext>
-            </a:extLst>
-          </p:cNvPr>
-          <p:cNvSpPr txBox="1"/>
-          <p:nvPr/>
-        </p:nvSpPr>
-        <p:spPr>
-          <a:xfrm>
-            <a:off x="5729015" y="4378733"/>
-            <a:ext cx="1717906" cy="292388"/>
-          </a:xfrm>
-          <a:prstGeom prst="rect">
-            <a:avLst/>
-          </a:prstGeom>
-          <a:noFill/>
-        </p:spPr>
-        <p:txBody>
-          <a:bodyPr wrap="none" rtlCol="0">
-            <a:spAutoFit/>
-          </a:bodyPr>
-          <a:lstStyle/>
-          <a:p>
-            <a:r>
-              <a:rPr lang="pt-PT" sz="1300" dirty="0"/>
-              <a:t>Empréstimos do Leitor</a:t>
-            </a:r>
           </a:p>
         </p:txBody>
       </p:sp>
@@ -14472,96 +13218,159 @@
           </a:p>
         </p:txBody>
       </p:sp>
-      <p:pic>
-        <p:nvPicPr>
-          <p:cNvPr id="5" name="Imagem 4">
+      <p:grpSp>
+        <p:nvGrpSpPr>
+          <p:cNvPr id="3" name="Agrupar 2">
             <a:extLst>
               <a:ext uri="{FF2B5EF4-FFF2-40B4-BE49-F238E27FC236}">
-                <a16:creationId xmlns:a16="http://schemas.microsoft.com/office/drawing/2014/main" id="{1AC07541-0B79-4821-B268-197DDCC7D509}"/>
+                <a16:creationId xmlns:a16="http://schemas.microsoft.com/office/drawing/2014/main" id="{2AA25D98-2CA8-7A47-9F14-E773575DA892}"/>
               </a:ext>
             </a:extLst>
           </p:cNvPr>
-          <p:cNvPicPr>
-            <a:picLocks noChangeAspect="1"/>
-          </p:cNvPicPr>
+          <p:cNvGrpSpPr/>
           <p:nvPr/>
-        </p:nvPicPr>
-        <p:blipFill>
-          <a:blip r:embed="rId3"/>
-          <a:stretch>
-            <a:fillRect/>
-          </a:stretch>
-        </p:blipFill>
-        <p:spPr>
+        </p:nvGrpSpPr>
+        <p:grpSpPr>
           <a:xfrm>
-            <a:off x="1112338" y="953392"/>
-            <a:ext cx="2071803" cy="3429000"/>
+            <a:off x="2427135" y="953392"/>
+            <a:ext cx="4289731" cy="3701932"/>
+            <a:chOff x="1112338" y="953392"/>
+            <a:chExt cx="4289731" cy="3701932"/>
           </a:xfrm>
-          <a:prstGeom prst="rect">
-            <a:avLst/>
-          </a:prstGeom>
-        </p:spPr>
-      </p:pic>
-      <p:pic>
-        <p:nvPicPr>
-          <p:cNvPr id="7" name="Imagem 6">
-            <a:extLst>
-              <a:ext uri="{FF2B5EF4-FFF2-40B4-BE49-F238E27FC236}">
-                <a16:creationId xmlns:a16="http://schemas.microsoft.com/office/drawing/2014/main" id="{A2123232-1206-4CD8-9C1A-305B4C5CB097}"/>
-              </a:ext>
-            </a:extLst>
-          </p:cNvPr>
-          <p:cNvPicPr>
-            <a:picLocks noChangeAspect="1"/>
-          </p:cNvPicPr>
-          <p:nvPr/>
-        </p:nvPicPr>
-        <p:blipFill>
-          <a:blip r:embed="rId4"/>
-          <a:stretch>
-            <a:fillRect/>
-          </a:stretch>
-        </p:blipFill>
-        <p:spPr>
-          <a:xfrm>
-            <a:off x="3332462" y="953392"/>
-            <a:ext cx="2069607" cy="3429000"/>
-          </a:xfrm>
-          <a:prstGeom prst="rect">
-            <a:avLst/>
-          </a:prstGeom>
-        </p:spPr>
-      </p:pic>
-      <p:pic>
-        <p:nvPicPr>
-          <p:cNvPr id="10" name="Imagem 9">
-            <a:extLst>
-              <a:ext uri="{FF2B5EF4-FFF2-40B4-BE49-F238E27FC236}">
-                <a16:creationId xmlns:a16="http://schemas.microsoft.com/office/drawing/2014/main" id="{D15FCBD9-96CB-41CC-8CD2-F5B58F0ABFB3}"/>
-              </a:ext>
-            </a:extLst>
-          </p:cNvPr>
-          <p:cNvPicPr>
-            <a:picLocks noChangeAspect="1"/>
-          </p:cNvPicPr>
-          <p:nvPr/>
-        </p:nvPicPr>
-        <p:blipFill>
-          <a:blip r:embed="rId5"/>
-          <a:stretch>
-            <a:fillRect/>
-          </a:stretch>
-        </p:blipFill>
-        <p:spPr>
-          <a:xfrm>
-            <a:off x="5550391" y="953392"/>
-            <a:ext cx="2075155" cy="3429000"/>
-          </a:xfrm>
-          <a:prstGeom prst="rect">
-            <a:avLst/>
-          </a:prstGeom>
-        </p:spPr>
-      </p:pic>
+        </p:grpSpPr>
+        <p:sp>
+          <p:nvSpPr>
+            <p:cNvPr id="27" name="CaixaDeTexto 26">
+              <a:extLst>
+                <a:ext uri="{FF2B5EF4-FFF2-40B4-BE49-F238E27FC236}">
+                  <a16:creationId xmlns:a16="http://schemas.microsoft.com/office/drawing/2014/main" id="{9DF2DF96-C25D-1643-B009-32E6EA1DFED4}"/>
+                </a:ext>
+              </a:extLst>
+            </p:cNvPr>
+            <p:cNvSpPr txBox="1"/>
+            <p:nvPr/>
+          </p:nvSpPr>
+          <p:spPr>
+            <a:xfrm>
+              <a:off x="3790825" y="4362936"/>
+              <a:ext cx="1152880" cy="292388"/>
+            </a:xfrm>
+            <a:prstGeom prst="rect">
+              <a:avLst/>
+            </a:prstGeom>
+            <a:noFill/>
+          </p:spPr>
+          <p:txBody>
+            <a:bodyPr wrap="none" rtlCol="0">
+              <a:spAutoFit/>
+            </a:bodyPr>
+            <a:lstStyle/>
+            <a:p>
+              <a:pPr algn="ctr"/>
+              <a:r>
+                <a:rPr lang="pt-PT" sz="1300" dirty="0"/>
+                <a:t>Ficha do leitor</a:t>
+              </a:r>
+            </a:p>
+          </p:txBody>
+        </p:sp>
+        <p:sp>
+          <p:nvSpPr>
+            <p:cNvPr id="28" name="CaixaDeTexto 27">
+              <a:extLst>
+                <a:ext uri="{FF2B5EF4-FFF2-40B4-BE49-F238E27FC236}">
+                  <a16:creationId xmlns:a16="http://schemas.microsoft.com/office/drawing/2014/main" id="{E5840C1B-1521-2844-9ED0-710DCFC7B647}"/>
+                </a:ext>
+              </a:extLst>
+            </p:cNvPr>
+            <p:cNvSpPr txBox="1"/>
+            <p:nvPr/>
+          </p:nvSpPr>
+          <p:spPr>
+            <a:xfrm>
+              <a:off x="1361549" y="4362936"/>
+              <a:ext cx="1573379" cy="292388"/>
+            </a:xfrm>
+            <a:prstGeom prst="rect">
+              <a:avLst/>
+            </a:prstGeom>
+            <a:noFill/>
+          </p:spPr>
+          <p:txBody>
+            <a:bodyPr wrap="none" rtlCol="0">
+              <a:spAutoFit/>
+            </a:bodyPr>
+            <a:lstStyle/>
+            <a:p>
+              <a:pPr algn="ctr"/>
+              <a:r>
+                <a:rPr lang="pt-PT" sz="1300" dirty="0"/>
+                <a:t>Listagem de Leitores</a:t>
+              </a:r>
+            </a:p>
+          </p:txBody>
+        </p:sp>
+        <p:pic>
+          <p:nvPicPr>
+            <p:cNvPr id="5" name="Imagem 4">
+              <a:extLst>
+                <a:ext uri="{FF2B5EF4-FFF2-40B4-BE49-F238E27FC236}">
+                  <a16:creationId xmlns:a16="http://schemas.microsoft.com/office/drawing/2014/main" id="{1AC07541-0B79-4821-B268-197DDCC7D509}"/>
+                </a:ext>
+              </a:extLst>
+            </p:cNvPr>
+            <p:cNvPicPr>
+              <a:picLocks noChangeAspect="1"/>
+            </p:cNvPicPr>
+            <p:nvPr/>
+          </p:nvPicPr>
+          <p:blipFill>
+            <a:blip r:embed="rId3"/>
+            <a:stretch>
+              <a:fillRect/>
+            </a:stretch>
+          </p:blipFill>
+          <p:spPr>
+            <a:xfrm>
+              <a:off x="1112338" y="953392"/>
+              <a:ext cx="2071803" cy="3429000"/>
+            </a:xfrm>
+            <a:prstGeom prst="rect">
+              <a:avLst/>
+            </a:prstGeom>
+          </p:spPr>
+        </p:pic>
+        <p:pic>
+          <p:nvPicPr>
+            <p:cNvPr id="7" name="Imagem 6">
+              <a:extLst>
+                <a:ext uri="{FF2B5EF4-FFF2-40B4-BE49-F238E27FC236}">
+                  <a16:creationId xmlns:a16="http://schemas.microsoft.com/office/drawing/2014/main" id="{A2123232-1206-4CD8-9C1A-305B4C5CB097}"/>
+                </a:ext>
+              </a:extLst>
+            </p:cNvPr>
+            <p:cNvPicPr>
+              <a:picLocks noChangeAspect="1"/>
+            </p:cNvPicPr>
+            <p:nvPr/>
+          </p:nvPicPr>
+          <p:blipFill>
+            <a:blip r:embed="rId4"/>
+            <a:stretch>
+              <a:fillRect/>
+            </a:stretch>
+          </p:blipFill>
+          <p:spPr>
+            <a:xfrm>
+              <a:off x="3332462" y="953392"/>
+              <a:ext cx="2069607" cy="3429000"/>
+            </a:xfrm>
+            <a:prstGeom prst="rect">
+              <a:avLst/>
+            </a:prstGeom>
+          </p:spPr>
+        </p:pic>
+      </p:grpSp>
     </p:spTree>
     <p:extLst>
       <p:ext uri="{BB962C8B-B14F-4D97-AF65-F5344CB8AC3E}">
@@ -14778,7 +13587,7 @@
         </p:nvSpPr>
         <p:spPr>
           <a:xfrm>
-            <a:off x="323528" y="195487"/>
+            <a:off x="432656" y="195487"/>
             <a:ext cx="6587616" cy="252329"/>
           </a:xfrm>
           <a:prstGeom prst="rect">
@@ -14820,7 +13629,7 @@
               <a:t>SARAMAGO . </a:t>
             </a:r>
             <a:r>
-              <a:rPr lang="pt-PT" sz="1000" dirty="0" err="1">
+              <a:rPr lang="pt-PT" sz="1000" dirty="0">
                 <a:solidFill>
                   <a:schemeClr val="tx1">
                     <a:lumMod val="95000"/>
@@ -14829,17 +13638,8 @@
                 </a:solidFill>
                 <a:latin typeface="+mn-lt"/>
               </a:rPr>
-              <a:t>Mockups</a:t>
-            </a:r>
-            <a:endParaRPr lang="pt-PT" sz="1000" dirty="0">
-              <a:solidFill>
-                <a:schemeClr val="tx1">
-                  <a:lumMod val="95000"/>
-                  <a:lumOff val="5000"/>
-                </a:schemeClr>
-              </a:solidFill>
-              <a:latin typeface="+mn-lt"/>
-            </a:endParaRPr>
+              <a:t>Telas</a:t>
+            </a:r>
           </a:p>
           <a:p>
             <a:pPr algn="l"/>
@@ -14980,7 +13780,7 @@
             <a:fld id="{C2DE1785-620F-4DE8-A7D0-6CC8413DFAC9}" type="datetime1">
               <a:rPr lang="pt-PT" sz="800" b="1" smtClean="0"/>
               <a:pPr/>
-              <a:t>21/01/2021</a:t>
+              <a:t>21/01/21</a:t>
             </a:fld>
             <a:endParaRPr lang="pt-PT" sz="800" b="1" dirty="0"/>
           </a:p>
@@ -15604,7 +14404,7 @@
               <a:t>SARAMAGO . </a:t>
             </a:r>
             <a:r>
-              <a:rPr lang="pt-PT" sz="1000" dirty="0" err="1">
+              <a:rPr lang="pt-PT" sz="1000" dirty="0">
                 <a:solidFill>
                   <a:schemeClr val="tx1">
                     <a:lumMod val="95000"/>
@@ -15613,17 +14413,8 @@
                 </a:solidFill>
                 <a:latin typeface="+mn-lt"/>
               </a:rPr>
-              <a:t>Mockups</a:t>
-            </a:r>
-            <a:endParaRPr lang="pt-PT" sz="1000" dirty="0">
-              <a:solidFill>
-                <a:schemeClr val="tx1">
-                  <a:lumMod val="95000"/>
-                  <a:lumOff val="5000"/>
-                </a:schemeClr>
-              </a:solidFill>
-              <a:latin typeface="+mn-lt"/>
-            </a:endParaRPr>
+              <a:t>Telas</a:t>
+            </a:r>
           </a:p>
           <a:p>
             <a:pPr algn="l"/>
@@ -15758,7 +14549,7 @@
             <a:fld id="{C2DE1785-620F-4DE8-A7D0-6CC8413DFAC9}" type="datetime1">
               <a:rPr lang="pt-PT" sz="800" b="1" smtClean="0"/>
               <a:pPr/>
-              <a:t>21/01/2021</a:t>
+              <a:t>21/01/21</a:t>
             </a:fld>
             <a:endParaRPr lang="pt-PT" sz="800" b="1" dirty="0"/>
           </a:p>
@@ -15886,76 +14677,6 @@
               <a:t>POLITÉCNICO DE LEIRIA</a:t>
             </a:r>
             <a:endParaRPr lang="pt-PT" sz="800" b="1" dirty="0"/>
-          </a:p>
-        </p:txBody>
-      </p:sp>
-      <p:sp>
-        <p:nvSpPr>
-          <p:cNvPr id="20" name="CaixaDeTexto 19">
-            <a:extLst>
-              <a:ext uri="{FF2B5EF4-FFF2-40B4-BE49-F238E27FC236}">
-                <a16:creationId xmlns:a16="http://schemas.microsoft.com/office/drawing/2014/main" id="{77011440-CEB3-5E40-835F-30CC47DA5383}"/>
-              </a:ext>
-            </a:extLst>
-          </p:cNvPr>
-          <p:cNvSpPr txBox="1"/>
-          <p:nvPr/>
-        </p:nvSpPr>
-        <p:spPr>
-          <a:xfrm>
-            <a:off x="2234651" y="4353288"/>
-            <a:ext cx="1472775" cy="292388"/>
-          </a:xfrm>
-          <a:prstGeom prst="rect">
-            <a:avLst/>
-          </a:prstGeom>
-          <a:noFill/>
-        </p:spPr>
-        <p:txBody>
-          <a:bodyPr wrap="none" rtlCol="0">
-            <a:spAutoFit/>
-          </a:bodyPr>
-          <a:lstStyle/>
-          <a:p>
-            <a:r>
-              <a:rPr lang="pt-PT" sz="1300" dirty="0"/>
-              <a:t>Listagem das obras</a:t>
-            </a:r>
-          </a:p>
-        </p:txBody>
-      </p:sp>
-      <p:sp>
-        <p:nvSpPr>
-          <p:cNvPr id="21" name="CaixaDeTexto 20">
-            <a:extLst>
-              <a:ext uri="{FF2B5EF4-FFF2-40B4-BE49-F238E27FC236}">
-                <a16:creationId xmlns:a16="http://schemas.microsoft.com/office/drawing/2014/main" id="{EC66D644-C46B-BA4A-A1B2-2E21E5460AC2}"/>
-              </a:ext>
-            </a:extLst>
-          </p:cNvPr>
-          <p:cNvSpPr txBox="1"/>
-          <p:nvPr/>
-        </p:nvSpPr>
-        <p:spPr>
-          <a:xfrm>
-            <a:off x="5619335" y="4353288"/>
-            <a:ext cx="1094980" cy="292388"/>
-          </a:xfrm>
-          <a:prstGeom prst="rect">
-            <a:avLst/>
-          </a:prstGeom>
-          <a:noFill/>
-        </p:spPr>
-        <p:txBody>
-          <a:bodyPr wrap="none" rtlCol="0">
-            <a:spAutoFit/>
-          </a:bodyPr>
-          <a:lstStyle/>
-          <a:p>
-            <a:r>
-              <a:rPr lang="pt-PT" sz="1300" dirty="0"/>
-              <a:t>Ficha da obra</a:t>
-            </a:r>
           </a:p>
         </p:txBody>
       </p:sp>
@@ -16026,66 +14747,157 @@
           </a:p>
         </p:txBody>
       </p:sp>
-      <p:pic>
-        <p:nvPicPr>
-          <p:cNvPr id="4" name="Imagem 3">
+      <p:grpSp>
+        <p:nvGrpSpPr>
+          <p:cNvPr id="3" name="Agrupar 2">
             <a:extLst>
               <a:ext uri="{FF2B5EF4-FFF2-40B4-BE49-F238E27FC236}">
-                <a16:creationId xmlns:a16="http://schemas.microsoft.com/office/drawing/2014/main" id="{B29458CF-5234-45D0-AF39-8E69294660A1}"/>
+                <a16:creationId xmlns:a16="http://schemas.microsoft.com/office/drawing/2014/main" id="{11A97194-A0FB-F54A-8494-5BB066EAF7C4}"/>
               </a:ext>
             </a:extLst>
           </p:cNvPr>
-          <p:cNvPicPr>
-            <a:picLocks noChangeAspect="1"/>
-          </p:cNvPicPr>
+          <p:cNvGrpSpPr/>
           <p:nvPr/>
-        </p:nvPicPr>
-        <p:blipFill>
-          <a:blip r:embed="rId3"/>
-          <a:stretch>
-            <a:fillRect/>
-          </a:stretch>
-        </p:blipFill>
-        <p:spPr>
+        </p:nvGrpSpPr>
+        <p:grpSpPr>
           <a:xfrm>
-            <a:off x="1929001" y="924288"/>
-            <a:ext cx="2084076" cy="3429000"/>
+            <a:off x="1935137" y="924288"/>
+            <a:ext cx="5273726" cy="3721388"/>
+            <a:chOff x="1929001" y="924288"/>
+            <a:chExt cx="5273726" cy="3721388"/>
           </a:xfrm>
-          <a:prstGeom prst="rect">
-            <a:avLst/>
-          </a:prstGeom>
-        </p:spPr>
-      </p:pic>
-      <p:pic>
-        <p:nvPicPr>
-          <p:cNvPr id="6" name="Imagem 5">
-            <a:extLst>
-              <a:ext uri="{FF2B5EF4-FFF2-40B4-BE49-F238E27FC236}">
-                <a16:creationId xmlns:a16="http://schemas.microsoft.com/office/drawing/2014/main" id="{D8D70C58-1085-451B-A80E-916DE5C00C50}"/>
-              </a:ext>
-            </a:extLst>
-          </p:cNvPr>
-          <p:cNvPicPr>
-            <a:picLocks noChangeAspect="1"/>
-          </p:cNvPicPr>
-          <p:nvPr/>
-        </p:nvPicPr>
-        <p:blipFill>
-          <a:blip r:embed="rId4"/>
-          <a:stretch>
-            <a:fillRect/>
-          </a:stretch>
-        </p:blipFill>
-        <p:spPr>
-          <a:xfrm>
-            <a:off x="5130924" y="924878"/>
-            <a:ext cx="2071803" cy="3429000"/>
-          </a:xfrm>
-          <a:prstGeom prst="rect">
-            <a:avLst/>
-          </a:prstGeom>
-        </p:spPr>
-      </p:pic>
+        </p:grpSpPr>
+        <p:sp>
+          <p:nvSpPr>
+            <p:cNvPr id="20" name="CaixaDeTexto 19">
+              <a:extLst>
+                <a:ext uri="{FF2B5EF4-FFF2-40B4-BE49-F238E27FC236}">
+                  <a16:creationId xmlns:a16="http://schemas.microsoft.com/office/drawing/2014/main" id="{77011440-CEB3-5E40-835F-30CC47DA5383}"/>
+                </a:ext>
+              </a:extLst>
+            </p:cNvPr>
+            <p:cNvSpPr txBox="1"/>
+            <p:nvPr/>
+          </p:nvSpPr>
+          <p:spPr>
+            <a:xfrm>
+              <a:off x="2234651" y="4353288"/>
+              <a:ext cx="1472775" cy="292388"/>
+            </a:xfrm>
+            <a:prstGeom prst="rect">
+              <a:avLst/>
+            </a:prstGeom>
+            <a:noFill/>
+          </p:spPr>
+          <p:txBody>
+            <a:bodyPr wrap="none" rtlCol="0">
+              <a:spAutoFit/>
+            </a:bodyPr>
+            <a:lstStyle/>
+            <a:p>
+              <a:r>
+                <a:rPr lang="pt-PT" sz="1300" dirty="0"/>
+                <a:t>Listagem das obras</a:t>
+              </a:r>
+            </a:p>
+          </p:txBody>
+        </p:sp>
+        <p:sp>
+          <p:nvSpPr>
+            <p:cNvPr id="21" name="CaixaDeTexto 20">
+              <a:extLst>
+                <a:ext uri="{FF2B5EF4-FFF2-40B4-BE49-F238E27FC236}">
+                  <a16:creationId xmlns:a16="http://schemas.microsoft.com/office/drawing/2014/main" id="{EC66D644-C46B-BA4A-A1B2-2E21E5460AC2}"/>
+                </a:ext>
+              </a:extLst>
+            </p:cNvPr>
+            <p:cNvSpPr txBox="1"/>
+            <p:nvPr/>
+          </p:nvSpPr>
+          <p:spPr>
+            <a:xfrm>
+              <a:off x="5619335" y="4353288"/>
+              <a:ext cx="1094980" cy="292388"/>
+            </a:xfrm>
+            <a:prstGeom prst="rect">
+              <a:avLst/>
+            </a:prstGeom>
+            <a:noFill/>
+          </p:spPr>
+          <p:txBody>
+            <a:bodyPr wrap="none" rtlCol="0">
+              <a:spAutoFit/>
+            </a:bodyPr>
+            <a:lstStyle/>
+            <a:p>
+              <a:r>
+                <a:rPr lang="pt-PT" sz="1300" dirty="0"/>
+                <a:t>Ficha da obra</a:t>
+              </a:r>
+            </a:p>
+          </p:txBody>
+        </p:sp>
+        <p:pic>
+          <p:nvPicPr>
+            <p:cNvPr id="4" name="Imagem 3">
+              <a:extLst>
+                <a:ext uri="{FF2B5EF4-FFF2-40B4-BE49-F238E27FC236}">
+                  <a16:creationId xmlns:a16="http://schemas.microsoft.com/office/drawing/2014/main" id="{B29458CF-5234-45D0-AF39-8E69294660A1}"/>
+                </a:ext>
+              </a:extLst>
+            </p:cNvPr>
+            <p:cNvPicPr>
+              <a:picLocks noChangeAspect="1"/>
+            </p:cNvPicPr>
+            <p:nvPr/>
+          </p:nvPicPr>
+          <p:blipFill>
+            <a:blip r:embed="rId3"/>
+            <a:stretch>
+              <a:fillRect/>
+            </a:stretch>
+          </p:blipFill>
+          <p:spPr>
+            <a:xfrm>
+              <a:off x="1929001" y="924288"/>
+              <a:ext cx="2084076" cy="3429000"/>
+            </a:xfrm>
+            <a:prstGeom prst="rect">
+              <a:avLst/>
+            </a:prstGeom>
+          </p:spPr>
+        </p:pic>
+        <p:pic>
+          <p:nvPicPr>
+            <p:cNvPr id="6" name="Imagem 5">
+              <a:extLst>
+                <a:ext uri="{FF2B5EF4-FFF2-40B4-BE49-F238E27FC236}">
+                  <a16:creationId xmlns:a16="http://schemas.microsoft.com/office/drawing/2014/main" id="{D8D70C58-1085-451B-A80E-916DE5C00C50}"/>
+                </a:ext>
+              </a:extLst>
+            </p:cNvPr>
+            <p:cNvPicPr>
+              <a:picLocks noChangeAspect="1"/>
+            </p:cNvPicPr>
+            <p:nvPr/>
+          </p:nvPicPr>
+          <p:blipFill>
+            <a:blip r:embed="rId4"/>
+            <a:stretch>
+              <a:fillRect/>
+            </a:stretch>
+          </p:blipFill>
+          <p:spPr>
+            <a:xfrm>
+              <a:off x="5130924" y="924878"/>
+              <a:ext cx="2071803" cy="3429000"/>
+            </a:xfrm>
+            <a:prstGeom prst="rect">
+              <a:avLst/>
+            </a:prstGeom>
+          </p:spPr>
+        </p:pic>
+      </p:grpSp>
     </p:spTree>
     <p:extLst>
       <p:ext uri="{BB962C8B-B14F-4D97-AF65-F5344CB8AC3E}">
@@ -16130,13 +14942,7 @@
       </p:grpSpPr>
       <p:sp>
         <p:nvSpPr>
-          <p:cNvPr id="4" name="Rectângulo 16">
-            <a:extLst>
-              <a:ext uri="{FF2B5EF4-FFF2-40B4-BE49-F238E27FC236}">
-                <a16:creationId xmlns:a16="http://schemas.microsoft.com/office/drawing/2014/main" id="{5A65B1D8-07FE-4781-AE6A-D055A4005C2C}"/>
-              </a:ext>
-            </a:extLst>
-          </p:cNvPr>
+          <p:cNvPr id="17" name="Rectângulo 16"/>
           <p:cNvSpPr/>
           <p:nvPr/>
         </p:nvSpPr>
@@ -16178,19 +14984,13 @@
           <a:lstStyle/>
           <a:p>
             <a:pPr algn="ctr"/>
-            <a:endParaRPr lang="pt-PT" dirty="0"/>
-          </a:p>
-        </p:txBody>
-      </p:sp>
-      <p:sp>
-        <p:nvSpPr>
-          <p:cNvPr id="5" name="Título 1">
-            <a:extLst>
-              <a:ext uri="{FF2B5EF4-FFF2-40B4-BE49-F238E27FC236}">
-                <a16:creationId xmlns:a16="http://schemas.microsoft.com/office/drawing/2014/main" id="{3279C324-53B3-4B82-B181-9C7BB6B030EE}"/>
-              </a:ext>
-            </a:extLst>
-          </p:cNvPr>
+            <a:endParaRPr lang="pt-PT"/>
+          </a:p>
+        </p:txBody>
+      </p:sp>
+      <p:sp>
+        <p:nvSpPr>
+          <p:cNvPr id="9" name="Título 1"/>
           <p:cNvSpPr txBox="1">
             <a:spLocks/>
           </p:cNvSpPr>
@@ -16237,20 +15037,14 @@
                 </a:solidFill>
                 <a:latin typeface="+mn-lt"/>
               </a:rPr>
-              <a:t>Catálogo</a:t>
+              <a:t>Distribuição de tarefas</a:t>
             </a:r>
           </a:p>
         </p:txBody>
       </p:sp>
       <p:cxnSp>
         <p:nvCxnSpPr>
-          <p:cNvPr id="6" name="Conexão recta 10">
-            <a:extLst>
-              <a:ext uri="{FF2B5EF4-FFF2-40B4-BE49-F238E27FC236}">
-                <a16:creationId xmlns:a16="http://schemas.microsoft.com/office/drawing/2014/main" id="{D751A8C2-0E7C-4F87-ADA7-056FF2863F8B}"/>
-              </a:ext>
-            </a:extLst>
-          </p:cNvPr>
+          <p:cNvPr id="11" name="Conexão recta 10"/>
           <p:cNvCxnSpPr/>
           <p:nvPr/>
         </p:nvCxnSpPr>
@@ -16288,13 +15082,7 @@
       </p:cxnSp>
       <p:sp>
         <p:nvSpPr>
-          <p:cNvPr id="7" name="Título 1">
-            <a:extLst>
-              <a:ext uri="{FF2B5EF4-FFF2-40B4-BE49-F238E27FC236}">
-                <a16:creationId xmlns:a16="http://schemas.microsoft.com/office/drawing/2014/main" id="{465AA01D-14E3-43E7-8824-ABC61F91FAF4}"/>
-              </a:ext>
-            </a:extLst>
-          </p:cNvPr>
+          <p:cNvPr id="16" name="Título 1"/>
           <p:cNvSpPr txBox="1">
             <a:spLocks/>
           </p:cNvSpPr>
@@ -16341,19 +15129,7 @@
                 </a:solidFill>
                 <a:latin typeface="+mn-lt"/>
               </a:rPr>
-              <a:t>SARAMAGO . </a:t>
-            </a:r>
-            <a:r>
-              <a:rPr lang="pt-PT" sz="1000" dirty="0" err="1">
-                <a:solidFill>
-                  <a:schemeClr val="tx1">
-                    <a:lumMod val="95000"/>
-                    <a:lumOff val="5000"/>
-                  </a:schemeClr>
-                </a:solidFill>
-                <a:latin typeface="+mn-lt"/>
-              </a:rPr>
-              <a:t>Mockups</a:t>
+              <a:t>SARAMAGO</a:t>
             </a:r>
             <a:endParaRPr lang="pt-PT" sz="1000" dirty="0">
               <a:solidFill>
@@ -16380,13 +15156,7 @@
       </p:sp>
       <p:sp>
         <p:nvSpPr>
-          <p:cNvPr id="8" name="Marcador de Posição da Data 4">
-            <a:extLst>
-              <a:ext uri="{FF2B5EF4-FFF2-40B4-BE49-F238E27FC236}">
-                <a16:creationId xmlns:a16="http://schemas.microsoft.com/office/drawing/2014/main" id="{55DEC286-978F-422A-B378-E3C9CCEEE2AF}"/>
-              </a:ext>
-            </a:extLst>
-          </p:cNvPr>
+          <p:cNvPr id="12" name="Marcador de Posição da Data 4"/>
           <p:cNvSpPr txBox="1">
             <a:spLocks/>
           </p:cNvSpPr>
@@ -16504,7 +15274,7 @@
             <a:fld id="{C2DE1785-620F-4DE8-A7D0-6CC8413DFAC9}" type="datetime1">
               <a:rPr lang="pt-PT" sz="800" b="1" smtClean="0"/>
               <a:pPr/>
-              <a:t>21/01/2021</a:t>
+              <a:t>21/01/21</a:t>
             </a:fld>
             <a:endParaRPr lang="pt-PT" sz="800" b="1" dirty="0"/>
           </a:p>
@@ -16512,13 +15282,7 @@
       </p:sp>
       <p:sp>
         <p:nvSpPr>
-          <p:cNvPr id="9" name="Marcador de Posição do Rodapé 6">
-            <a:extLst>
-              <a:ext uri="{FF2B5EF4-FFF2-40B4-BE49-F238E27FC236}">
-                <a16:creationId xmlns:a16="http://schemas.microsoft.com/office/drawing/2014/main" id="{40F3C72A-A866-4840-89FB-180BC6EA25FB}"/>
-              </a:ext>
-            </a:extLst>
-          </p:cNvPr>
+          <p:cNvPr id="18" name="Marcador de Posição do Rodapé 6"/>
           <p:cNvSpPr txBox="1">
             <a:spLocks/>
           </p:cNvSpPr>
@@ -16641,12 +15405,691 @@
           </a:p>
         </p:txBody>
       </p:sp>
-      <p:sp>
-        <p:nvSpPr>
-          <p:cNvPr id="10" name="CaixaDeTexto 9">
+      <p:pic>
+        <p:nvPicPr>
+          <p:cNvPr id="10" name="Marcador de Posição de Conteúdo 3">
             <a:extLst>
               <a:ext uri="{FF2B5EF4-FFF2-40B4-BE49-F238E27FC236}">
-                <a16:creationId xmlns:a16="http://schemas.microsoft.com/office/drawing/2014/main" id="{52974ADB-F04F-4FFF-95A0-94A992649F0D}"/>
+                <a16:creationId xmlns:a16="http://schemas.microsoft.com/office/drawing/2014/main" id="{32905D98-D9FE-E440-B1EC-F376E221074D}"/>
+              </a:ext>
+            </a:extLst>
+          </p:cNvPr>
+          <p:cNvPicPr>
+            <a:picLocks noChangeAspect="1"/>
+          </p:cNvPicPr>
+          <p:nvPr/>
+        </p:nvPicPr>
+        <p:blipFill>
+          <a:blip r:embed="rId3"/>
+          <a:stretch>
+            <a:fillRect/>
+          </a:stretch>
+        </p:blipFill>
+        <p:spPr>
+          <a:xfrm>
+            <a:off x="350168" y="897452"/>
+            <a:ext cx="5995708" cy="3812874"/>
+          </a:xfrm>
+          <a:prstGeom prst="rect">
+            <a:avLst/>
+          </a:prstGeom>
+        </p:spPr>
+      </p:pic>
+      <p:graphicFrame>
+        <p:nvGraphicFramePr>
+          <p:cNvPr id="4" name="Tabela 4">
+            <a:extLst>
+              <a:ext uri="{FF2B5EF4-FFF2-40B4-BE49-F238E27FC236}">
+                <a16:creationId xmlns:a16="http://schemas.microsoft.com/office/drawing/2014/main" id="{958B240D-FC2D-214A-ABAC-6EB20AB31B4F}"/>
+              </a:ext>
+            </a:extLst>
+          </p:cNvPr>
+          <p:cNvGraphicFramePr>
+            <a:graphicFrameLocks noGrp="1"/>
+          </p:cNvGraphicFramePr>
+          <p:nvPr/>
+        </p:nvGraphicFramePr>
+        <p:xfrm>
+          <a:off x="5508104" y="983631"/>
+          <a:ext cx="1175792" cy="3800162"/>
+        </p:xfrm>
+        <a:graphic>
+          <a:graphicData uri="http://schemas.openxmlformats.org/drawingml/2006/table">
+            <a:tbl>
+              <a:tblPr firstRow="1" bandRow="1">
+                <a:tableStyleId>{5940675A-B579-460E-94D1-54222C63F5DA}</a:tableStyleId>
+              </a:tblPr>
+              <a:tblGrid>
+                <a:gridCol w="1175792">
+                  <a:extLst>
+                    <a:ext uri="{9D8B030D-6E8A-4147-A177-3AD203B41FA5}">
+                      <a16:colId xmlns:a16="http://schemas.microsoft.com/office/drawing/2014/main" val="3996927710"/>
+                    </a:ext>
+                  </a:extLst>
+                </a:gridCol>
+              </a:tblGrid>
+              <a:tr h="0">
+                <a:tc>
+                  <a:txBody>
+                    <a:bodyPr/>
+                    <a:lstStyle/>
+                    <a:p>
+                      <a:r>
+                        <a:rPr lang="pt-PT" sz="1050" dirty="0">
+                          <a:solidFill>
+                            <a:schemeClr val="bg1"/>
+                          </a:solidFill>
+                        </a:rPr>
+                        <a:t>Estado</a:t>
+                      </a:r>
+                    </a:p>
+                  </a:txBody>
+                  <a:tcPr>
+                    <a:solidFill>
+                      <a:srgbClr val="7030A0"/>
+                    </a:solidFill>
+                  </a:tcPr>
+                </a:tc>
+                <a:extLst>
+                  <a:ext uri="{0D108BD9-81ED-4DB2-BD59-A6C34878D82A}">
+                    <a16:rowId xmlns:a16="http://schemas.microsoft.com/office/drawing/2014/main" val="255571365"/>
+                  </a:ext>
+                </a:extLst>
+              </a:tr>
+              <a:tr h="293297">
+                <a:tc>
+                  <a:txBody>
+                    <a:bodyPr/>
+                    <a:lstStyle/>
+                    <a:p>
+                      <a:r>
+                        <a:rPr lang="pt-PT" sz="1100" dirty="0">
+                          <a:ln>
+                            <a:noFill/>
+                          </a:ln>
+                          <a:solidFill>
+                            <a:schemeClr val="tx1"/>
+                          </a:solidFill>
+                        </a:rPr>
+                        <a:t>--</a:t>
+                      </a:r>
+                    </a:p>
+                  </a:txBody>
+                  <a:tcPr>
+                    <a:solidFill>
+                      <a:schemeClr val="bg1"/>
+                    </a:solidFill>
+                  </a:tcPr>
+                </a:tc>
+                <a:extLst>
+                  <a:ext uri="{0D108BD9-81ED-4DB2-BD59-A6C34878D82A}">
+                    <a16:rowId xmlns:a16="http://schemas.microsoft.com/office/drawing/2014/main" val="3749146498"/>
+                  </a:ext>
+                </a:extLst>
+              </a:tr>
+              <a:tr h="293297">
+                <a:tc>
+                  <a:txBody>
+                    <a:bodyPr/>
+                    <a:lstStyle/>
+                    <a:p>
+                      <a:r>
+                        <a:rPr kumimoji="0" lang="pt-PT" sz="900" b="0" u="none" strike="noStrike" kern="1200" cap="none" spc="0" normalizeH="0" baseline="0" noProof="0" dirty="0">
+                          <a:ln>
+                            <a:noFill/>
+                          </a:ln>
+                          <a:solidFill>
+                            <a:schemeClr val="tx1"/>
+                          </a:solidFill>
+                          <a:effectLst/>
+                          <a:uLnTx/>
+                          <a:uFillTx/>
+                        </a:rPr>
+                        <a:t>Implementado</a:t>
+                      </a:r>
+                      <a:endParaRPr lang="pt-PT" sz="1100" dirty="0">
+                        <a:ln>
+                          <a:noFill/>
+                        </a:ln>
+                        <a:solidFill>
+                          <a:schemeClr val="tx1"/>
+                        </a:solidFill>
+                      </a:endParaRPr>
+                    </a:p>
+                  </a:txBody>
+                  <a:tcPr>
+                    <a:solidFill>
+                      <a:schemeClr val="bg1"/>
+                    </a:solidFill>
+                  </a:tcPr>
+                </a:tc>
+                <a:extLst>
+                  <a:ext uri="{0D108BD9-81ED-4DB2-BD59-A6C34878D82A}">
+                    <a16:rowId xmlns:a16="http://schemas.microsoft.com/office/drawing/2014/main" val="2040567252"/>
+                  </a:ext>
+                </a:extLst>
+              </a:tr>
+              <a:tr h="293297">
+                <a:tc>
+                  <a:txBody>
+                    <a:bodyPr/>
+                    <a:lstStyle/>
+                    <a:p>
+                      <a:r>
+                        <a:rPr lang="pt-PT" sz="900" dirty="0">
+                          <a:ln>
+                            <a:noFill/>
+                          </a:ln>
+                          <a:solidFill>
+                            <a:schemeClr val="tx1"/>
+                          </a:solidFill>
+                        </a:rPr>
+                        <a:t>Não implementado</a:t>
+                      </a:r>
+                    </a:p>
+                  </a:txBody>
+                  <a:tcPr>
+                    <a:solidFill>
+                      <a:schemeClr val="bg1"/>
+                    </a:solidFill>
+                  </a:tcPr>
+                </a:tc>
+                <a:extLst>
+                  <a:ext uri="{0D108BD9-81ED-4DB2-BD59-A6C34878D82A}">
+                    <a16:rowId xmlns:a16="http://schemas.microsoft.com/office/drawing/2014/main" val="3494044148"/>
+                  </a:ext>
+                </a:extLst>
+              </a:tr>
+              <a:tr h="293297">
+                <a:tc>
+                  <a:txBody>
+                    <a:bodyPr/>
+                    <a:lstStyle/>
+                    <a:p>
+                      <a:pPr marL="0" marR="0" lvl="0" indent="0" algn="l" defTabSz="914400" rtl="0" eaLnBrk="1" fontAlgn="auto" latinLnBrk="0" hangingPunct="1">
+                        <a:lnSpc>
+                          <a:spcPct val="100000"/>
+                        </a:lnSpc>
+                        <a:spcBef>
+                          <a:spcPts val="0"/>
+                        </a:spcBef>
+                        <a:spcAft>
+                          <a:spcPts val="0"/>
+                        </a:spcAft>
+                        <a:buClrTx/>
+                        <a:buSzTx/>
+                        <a:buFontTx/>
+                        <a:buNone/>
+                        <a:tabLst/>
+                        <a:defRPr/>
+                      </a:pPr>
+                      <a:r>
+                        <a:rPr kumimoji="0" lang="pt-PT" sz="900" b="0" i="0" u="none" strike="noStrike" kern="1200" cap="none" spc="0" normalizeH="0" baseline="0" noProof="0" dirty="0">
+                          <a:ln>
+                            <a:noFill/>
+                          </a:ln>
+                          <a:solidFill>
+                            <a:prstClr val="black"/>
+                          </a:solidFill>
+                          <a:effectLst/>
+                          <a:uLnTx/>
+                          <a:uFillTx/>
+                          <a:latin typeface="+mn-lt"/>
+                          <a:ea typeface="+mn-ea"/>
+                          <a:cs typeface="+mn-cs"/>
+                        </a:rPr>
+                        <a:t>Não implementado</a:t>
+                      </a:r>
+                    </a:p>
+                  </a:txBody>
+                  <a:tcPr>
+                    <a:solidFill>
+                      <a:schemeClr val="bg1"/>
+                    </a:solidFill>
+                  </a:tcPr>
+                </a:tc>
+                <a:extLst>
+                  <a:ext uri="{0D108BD9-81ED-4DB2-BD59-A6C34878D82A}">
+                    <a16:rowId xmlns:a16="http://schemas.microsoft.com/office/drawing/2014/main" val="723932806"/>
+                  </a:ext>
+                </a:extLst>
+              </a:tr>
+              <a:tr h="249972">
+                <a:tc>
+                  <a:txBody>
+                    <a:bodyPr/>
+                    <a:lstStyle/>
+                    <a:p>
+                      <a:pPr marL="0" marR="0" lvl="0" indent="0" algn="l" defTabSz="914400" rtl="0" eaLnBrk="1" fontAlgn="auto" latinLnBrk="0" hangingPunct="1">
+                        <a:lnSpc>
+                          <a:spcPct val="100000"/>
+                        </a:lnSpc>
+                        <a:spcBef>
+                          <a:spcPts val="0"/>
+                        </a:spcBef>
+                        <a:spcAft>
+                          <a:spcPts val="0"/>
+                        </a:spcAft>
+                        <a:buClrTx/>
+                        <a:buSzTx/>
+                        <a:buFontTx/>
+                        <a:buNone/>
+                        <a:tabLst/>
+                        <a:defRPr/>
+                      </a:pPr>
+                      <a:r>
+                        <a:rPr lang="pt-PT" sz="900" dirty="0">
+                          <a:ln>
+                            <a:noFill/>
+                          </a:ln>
+                          <a:solidFill>
+                            <a:schemeClr val="tx1"/>
+                          </a:solidFill>
+                        </a:rPr>
+                        <a:t>Não implementado</a:t>
+                      </a:r>
+                    </a:p>
+                  </a:txBody>
+                  <a:tcPr>
+                    <a:solidFill>
+                      <a:schemeClr val="bg1"/>
+                    </a:solidFill>
+                  </a:tcPr>
+                </a:tc>
+                <a:extLst>
+                  <a:ext uri="{0D108BD9-81ED-4DB2-BD59-A6C34878D82A}">
+                    <a16:rowId xmlns:a16="http://schemas.microsoft.com/office/drawing/2014/main" val="3812647147"/>
+                  </a:ext>
+                </a:extLst>
+              </a:tr>
+              <a:tr h="293297">
+                <a:tc>
+                  <a:txBody>
+                    <a:bodyPr/>
+                    <a:lstStyle/>
+                    <a:p>
+                      <a:pPr marL="0" marR="0" lvl="0" indent="0" algn="l" defTabSz="914400" rtl="0" eaLnBrk="1" fontAlgn="auto" latinLnBrk="0" hangingPunct="1">
+                        <a:lnSpc>
+                          <a:spcPct val="100000"/>
+                        </a:lnSpc>
+                        <a:spcBef>
+                          <a:spcPts val="0"/>
+                        </a:spcBef>
+                        <a:spcAft>
+                          <a:spcPts val="0"/>
+                        </a:spcAft>
+                        <a:buClrTx/>
+                        <a:buSzTx/>
+                        <a:buFontTx/>
+                        <a:buNone/>
+                        <a:tabLst/>
+                        <a:defRPr/>
+                      </a:pPr>
+                      <a:r>
+                        <a:rPr kumimoji="0" lang="pt-PT" sz="900" b="0" i="0" u="none" strike="noStrike" kern="1200" cap="none" spc="0" normalizeH="0" baseline="0" noProof="0" dirty="0">
+                          <a:ln>
+                            <a:noFill/>
+                          </a:ln>
+                          <a:solidFill>
+                            <a:prstClr val="black"/>
+                          </a:solidFill>
+                          <a:effectLst/>
+                          <a:uLnTx/>
+                          <a:uFillTx/>
+                          <a:latin typeface="+mn-lt"/>
+                          <a:ea typeface="+mn-ea"/>
+                          <a:cs typeface="+mn-cs"/>
+                        </a:rPr>
+                        <a:t>Implementado Parcialmente</a:t>
+                      </a:r>
+                    </a:p>
+                  </a:txBody>
+                  <a:tcPr>
+                    <a:solidFill>
+                      <a:schemeClr val="bg1"/>
+                    </a:solidFill>
+                  </a:tcPr>
+                </a:tc>
+                <a:extLst>
+                  <a:ext uri="{0D108BD9-81ED-4DB2-BD59-A6C34878D82A}">
+                    <a16:rowId xmlns:a16="http://schemas.microsoft.com/office/drawing/2014/main" val="2020031725"/>
+                  </a:ext>
+                </a:extLst>
+              </a:tr>
+              <a:tr h="293297">
+                <a:tc>
+                  <a:txBody>
+                    <a:bodyPr/>
+                    <a:lstStyle/>
+                    <a:p>
+                      <a:pPr marL="0" marR="0" lvl="0" indent="0" algn="l" defTabSz="914400" rtl="0" eaLnBrk="1" fontAlgn="auto" latinLnBrk="0" hangingPunct="1">
+                        <a:lnSpc>
+                          <a:spcPct val="100000"/>
+                        </a:lnSpc>
+                        <a:spcBef>
+                          <a:spcPts val="0"/>
+                        </a:spcBef>
+                        <a:spcAft>
+                          <a:spcPts val="0"/>
+                        </a:spcAft>
+                        <a:buClrTx/>
+                        <a:buSzTx/>
+                        <a:buFontTx/>
+                        <a:buNone/>
+                        <a:tabLst/>
+                        <a:defRPr/>
+                      </a:pPr>
+                      <a:r>
+                        <a:rPr kumimoji="0" lang="pt-PT" sz="900" b="0" i="0" u="none" strike="noStrike" kern="1200" cap="none" spc="0" normalizeH="0" baseline="0" noProof="0" dirty="0">
+                          <a:ln>
+                            <a:noFill/>
+                          </a:ln>
+                          <a:solidFill>
+                            <a:prstClr val="black"/>
+                          </a:solidFill>
+                          <a:effectLst/>
+                          <a:uLnTx/>
+                          <a:uFillTx/>
+                          <a:latin typeface="+mn-lt"/>
+                          <a:ea typeface="+mn-ea"/>
+                          <a:cs typeface="+mn-cs"/>
+                        </a:rPr>
+                        <a:t>Não implementado</a:t>
+                      </a:r>
+                    </a:p>
+                  </a:txBody>
+                  <a:tcPr>
+                    <a:solidFill>
+                      <a:schemeClr val="bg1"/>
+                    </a:solidFill>
+                  </a:tcPr>
+                </a:tc>
+                <a:extLst>
+                  <a:ext uri="{0D108BD9-81ED-4DB2-BD59-A6C34878D82A}">
+                    <a16:rowId xmlns:a16="http://schemas.microsoft.com/office/drawing/2014/main" val="2989335002"/>
+                  </a:ext>
+                </a:extLst>
+              </a:tr>
+              <a:tr h="293297">
+                <a:tc>
+                  <a:txBody>
+                    <a:bodyPr/>
+                    <a:lstStyle/>
+                    <a:p>
+                      <a:pPr marL="0" marR="0" lvl="0" indent="0" algn="l" defTabSz="914400" rtl="0" eaLnBrk="1" fontAlgn="auto" latinLnBrk="0" hangingPunct="1">
+                        <a:lnSpc>
+                          <a:spcPct val="100000"/>
+                        </a:lnSpc>
+                        <a:spcBef>
+                          <a:spcPts val="0"/>
+                        </a:spcBef>
+                        <a:spcAft>
+                          <a:spcPts val="0"/>
+                        </a:spcAft>
+                        <a:buClrTx/>
+                        <a:buSzTx/>
+                        <a:buFontTx/>
+                        <a:buNone/>
+                        <a:tabLst/>
+                        <a:defRPr/>
+                      </a:pPr>
+                      <a:r>
+                        <a:rPr kumimoji="0" lang="pt-PT" sz="900" b="0" i="0" u="none" strike="noStrike" kern="1200" cap="none" spc="0" normalizeH="0" baseline="0" noProof="0" dirty="0">
+                          <a:ln>
+                            <a:noFill/>
+                          </a:ln>
+                          <a:solidFill>
+                            <a:prstClr val="black"/>
+                          </a:solidFill>
+                          <a:effectLst/>
+                          <a:uLnTx/>
+                          <a:uFillTx/>
+                          <a:latin typeface="+mn-lt"/>
+                          <a:ea typeface="+mn-ea"/>
+                          <a:cs typeface="+mn-cs"/>
+                        </a:rPr>
+                        <a:t>Não implementado</a:t>
+                      </a:r>
+                    </a:p>
+                  </a:txBody>
+                  <a:tcPr>
+                    <a:solidFill>
+                      <a:schemeClr val="bg1"/>
+                    </a:solidFill>
+                  </a:tcPr>
+                </a:tc>
+                <a:extLst>
+                  <a:ext uri="{0D108BD9-81ED-4DB2-BD59-A6C34878D82A}">
+                    <a16:rowId xmlns:a16="http://schemas.microsoft.com/office/drawing/2014/main" val="646638238"/>
+                  </a:ext>
+                </a:extLst>
+              </a:tr>
+              <a:tr h="293297">
+                <a:tc>
+                  <a:txBody>
+                    <a:bodyPr/>
+                    <a:lstStyle/>
+                    <a:p>
+                      <a:pPr marL="0" marR="0" lvl="0" indent="0" algn="l" defTabSz="914400" rtl="0" eaLnBrk="1" fontAlgn="auto" latinLnBrk="0" hangingPunct="1">
+                        <a:lnSpc>
+                          <a:spcPct val="100000"/>
+                        </a:lnSpc>
+                        <a:spcBef>
+                          <a:spcPts val="0"/>
+                        </a:spcBef>
+                        <a:spcAft>
+                          <a:spcPts val="0"/>
+                        </a:spcAft>
+                        <a:buClrTx/>
+                        <a:buSzTx/>
+                        <a:buFontTx/>
+                        <a:buNone/>
+                        <a:tabLst/>
+                        <a:defRPr/>
+                      </a:pPr>
+                      <a:r>
+                        <a:rPr kumimoji="0" lang="pt-PT" sz="900" b="0" i="0" u="none" strike="noStrike" kern="1200" cap="none" spc="0" normalizeH="0" baseline="0" noProof="0" dirty="0">
+                          <a:ln>
+                            <a:noFill/>
+                          </a:ln>
+                          <a:solidFill>
+                            <a:prstClr val="black"/>
+                          </a:solidFill>
+                          <a:effectLst/>
+                          <a:uLnTx/>
+                          <a:uFillTx/>
+                          <a:latin typeface="+mn-lt"/>
+                          <a:ea typeface="+mn-ea"/>
+                          <a:cs typeface="+mn-cs"/>
+                        </a:rPr>
+                        <a:t>Não implementado</a:t>
+                      </a:r>
+                    </a:p>
+                  </a:txBody>
+                  <a:tcPr>
+                    <a:solidFill>
+                      <a:schemeClr val="bg1"/>
+                    </a:solidFill>
+                  </a:tcPr>
+                </a:tc>
+                <a:extLst>
+                  <a:ext uri="{0D108BD9-81ED-4DB2-BD59-A6C34878D82A}">
+                    <a16:rowId xmlns:a16="http://schemas.microsoft.com/office/drawing/2014/main" val="810912103"/>
+                  </a:ext>
+                </a:extLst>
+              </a:tr>
+              <a:tr h="293297">
+                <a:tc>
+                  <a:txBody>
+                    <a:bodyPr/>
+                    <a:lstStyle/>
+                    <a:p>
+                      <a:pPr marL="0" marR="0" lvl="0" indent="0" algn="l" defTabSz="914400" rtl="0" eaLnBrk="1" fontAlgn="auto" latinLnBrk="0" hangingPunct="1">
+                        <a:lnSpc>
+                          <a:spcPct val="100000"/>
+                        </a:lnSpc>
+                        <a:spcBef>
+                          <a:spcPts val="0"/>
+                        </a:spcBef>
+                        <a:spcAft>
+                          <a:spcPts val="0"/>
+                        </a:spcAft>
+                        <a:buClrTx/>
+                        <a:buSzTx/>
+                        <a:buFontTx/>
+                        <a:buNone/>
+                        <a:tabLst/>
+                        <a:defRPr/>
+                      </a:pPr>
+                      <a:r>
+                        <a:rPr kumimoji="0" lang="pt-PT" sz="900" b="0" i="0" u="none" strike="noStrike" kern="1200" cap="none" spc="0" normalizeH="0" baseline="0" noProof="0" dirty="0">
+                          <a:ln>
+                            <a:noFill/>
+                          </a:ln>
+                          <a:solidFill>
+                            <a:prstClr val="black"/>
+                          </a:solidFill>
+                          <a:effectLst/>
+                          <a:uLnTx/>
+                          <a:uFillTx/>
+                          <a:latin typeface="+mn-lt"/>
+                          <a:ea typeface="+mn-ea"/>
+                          <a:cs typeface="+mn-cs"/>
+                        </a:rPr>
+                        <a:t>Não implementado</a:t>
+                      </a:r>
+                    </a:p>
+                  </a:txBody>
+                  <a:tcPr>
+                    <a:solidFill>
+                      <a:schemeClr val="bg1"/>
+                    </a:solidFill>
+                  </a:tcPr>
+                </a:tc>
+                <a:extLst>
+                  <a:ext uri="{0D108BD9-81ED-4DB2-BD59-A6C34878D82A}">
+                    <a16:rowId xmlns:a16="http://schemas.microsoft.com/office/drawing/2014/main" val="14536281"/>
+                  </a:ext>
+                </a:extLst>
+              </a:tr>
+              <a:tr h="293297">
+                <a:tc>
+                  <a:txBody>
+                    <a:bodyPr/>
+                    <a:lstStyle/>
+                    <a:p>
+                      <a:pPr marL="0" marR="0" lvl="0" indent="0" algn="l" defTabSz="914400" rtl="0" eaLnBrk="1" fontAlgn="auto" latinLnBrk="0" hangingPunct="1">
+                        <a:lnSpc>
+                          <a:spcPct val="100000"/>
+                        </a:lnSpc>
+                        <a:spcBef>
+                          <a:spcPts val="0"/>
+                        </a:spcBef>
+                        <a:spcAft>
+                          <a:spcPts val="0"/>
+                        </a:spcAft>
+                        <a:buClrTx/>
+                        <a:buSzTx/>
+                        <a:buFontTx/>
+                        <a:buNone/>
+                        <a:tabLst/>
+                        <a:defRPr/>
+                      </a:pPr>
+                      <a:r>
+                        <a:rPr kumimoji="0" lang="pt-PT" sz="900" b="0" i="0" u="none" strike="noStrike" kern="1200" cap="none" spc="0" normalizeH="0" baseline="0" noProof="0" dirty="0">
+                          <a:ln>
+                            <a:noFill/>
+                          </a:ln>
+                          <a:solidFill>
+                            <a:prstClr val="black"/>
+                          </a:solidFill>
+                          <a:effectLst/>
+                          <a:uLnTx/>
+                          <a:uFillTx/>
+                          <a:latin typeface="+mn-lt"/>
+                          <a:ea typeface="+mn-ea"/>
+                          <a:cs typeface="+mn-cs"/>
+                        </a:rPr>
+                        <a:t>Não implementado</a:t>
+                      </a:r>
+                    </a:p>
+                  </a:txBody>
+                  <a:tcPr>
+                    <a:solidFill>
+                      <a:schemeClr val="bg1"/>
+                    </a:solidFill>
+                  </a:tcPr>
+                </a:tc>
+                <a:extLst>
+                  <a:ext uri="{0D108BD9-81ED-4DB2-BD59-A6C34878D82A}">
+                    <a16:rowId xmlns:a16="http://schemas.microsoft.com/office/drawing/2014/main" val="1469502172"/>
+                  </a:ext>
+                </a:extLst>
+              </a:tr>
+              <a:tr h="293297">
+                <a:tc>
+                  <a:txBody>
+                    <a:bodyPr/>
+                    <a:lstStyle/>
+                    <a:p>
+                      <a:pPr marL="0" marR="0" lvl="0" indent="0" algn="l" defTabSz="914400" rtl="0" eaLnBrk="1" fontAlgn="auto" latinLnBrk="0" hangingPunct="1">
+                        <a:lnSpc>
+                          <a:spcPct val="100000"/>
+                        </a:lnSpc>
+                        <a:spcBef>
+                          <a:spcPts val="0"/>
+                        </a:spcBef>
+                        <a:spcAft>
+                          <a:spcPts val="0"/>
+                        </a:spcAft>
+                        <a:buClrTx/>
+                        <a:buSzTx/>
+                        <a:buFontTx/>
+                        <a:buNone/>
+                        <a:tabLst/>
+                        <a:defRPr/>
+                      </a:pPr>
+                      <a:r>
+                        <a:rPr kumimoji="0" lang="pt-PT" sz="900" b="0" i="0" u="none" strike="noStrike" kern="1200" cap="none" spc="0" normalizeH="0" baseline="0" noProof="0" dirty="0">
+                          <a:ln>
+                            <a:noFill/>
+                          </a:ln>
+                          <a:solidFill>
+                            <a:prstClr val="black"/>
+                          </a:solidFill>
+                          <a:effectLst/>
+                          <a:uLnTx/>
+                          <a:uFillTx/>
+                          <a:latin typeface="+mn-lt"/>
+                          <a:ea typeface="+mn-ea"/>
+                          <a:cs typeface="+mn-cs"/>
+                        </a:rPr>
+                        <a:t>Não implementado</a:t>
+                      </a:r>
+                    </a:p>
+                  </a:txBody>
+                  <a:tcPr>
+                    <a:solidFill>
+                      <a:schemeClr val="bg1"/>
+                    </a:solidFill>
+                  </a:tcPr>
+                </a:tc>
+                <a:extLst>
+                  <a:ext uri="{0D108BD9-81ED-4DB2-BD59-A6C34878D82A}">
+                    <a16:rowId xmlns:a16="http://schemas.microsoft.com/office/drawing/2014/main" val="2293800409"/>
+                  </a:ext>
+                </a:extLst>
+              </a:tr>
+            </a:tbl>
+          </a:graphicData>
+        </a:graphic>
+      </p:graphicFrame>
+      <p:sp>
+        <p:nvSpPr>
+          <p:cNvPr id="2" name="CaixaDeTexto 1">
+            <a:extLst>
+              <a:ext uri="{FF2B5EF4-FFF2-40B4-BE49-F238E27FC236}">
+                <a16:creationId xmlns:a16="http://schemas.microsoft.com/office/drawing/2014/main" id="{FDFA8873-DF31-4558-B2EA-590FD128354B}"/>
               </a:ext>
             </a:extLst>
           </p:cNvPr>
@@ -16703,77 +16146,7 @@
                 <a:ea typeface="+mn-ea"/>
                 <a:cs typeface="+mn-cs"/>
               </a:rPr>
-              <a:t>8</a:t>
-            </a:r>
-          </a:p>
-        </p:txBody>
-      </p:sp>
-      <p:pic>
-        <p:nvPicPr>
-          <p:cNvPr id="11" name="Imagem 10">
-            <a:extLst>
-              <a:ext uri="{FF2B5EF4-FFF2-40B4-BE49-F238E27FC236}">
-                <a16:creationId xmlns:a16="http://schemas.microsoft.com/office/drawing/2014/main" id="{79019115-79C0-4A43-BE01-6E14F0259A83}"/>
-              </a:ext>
-            </a:extLst>
-          </p:cNvPr>
-          <p:cNvPicPr>
-            <a:picLocks noChangeAspect="1"/>
-          </p:cNvPicPr>
-          <p:nvPr/>
-        </p:nvPicPr>
-        <p:blipFill>
-          <a:blip r:embed="rId2"/>
-          <a:stretch>
-            <a:fillRect/>
-          </a:stretch>
-        </p:blipFill>
-        <p:spPr>
-          <a:xfrm>
-            <a:off x="3528255" y="954997"/>
-            <a:ext cx="2073992" cy="3429000"/>
-          </a:xfrm>
-          <a:prstGeom prst="rect">
-            <a:avLst/>
-          </a:prstGeom>
-        </p:spPr>
-      </p:pic>
-      <p:sp>
-        <p:nvSpPr>
-          <p:cNvPr id="12" name="CaixaDeTexto 11">
-            <a:extLst>
-              <a:ext uri="{FF2B5EF4-FFF2-40B4-BE49-F238E27FC236}">
-                <a16:creationId xmlns:a16="http://schemas.microsoft.com/office/drawing/2014/main" id="{C8483DB4-55C7-4725-A9C1-F6C0C4D2A05B}"/>
-              </a:ext>
-            </a:extLst>
-          </p:cNvPr>
-          <p:cNvSpPr txBox="1"/>
-          <p:nvPr/>
-        </p:nvSpPr>
-        <p:spPr>
-          <a:xfrm>
-            <a:off x="3887924" y="4353948"/>
-            <a:ext cx="1368152" cy="292388"/>
-          </a:xfrm>
-          <a:prstGeom prst="rect">
-            <a:avLst/>
-          </a:prstGeom>
-          <a:noFill/>
-        </p:spPr>
-        <p:txBody>
-          <a:bodyPr wrap="square" rtlCol="0">
-            <a:spAutoFit/>
-          </a:bodyPr>
-          <a:lstStyle/>
-          <a:p>
-            <a:pPr algn="ctr"/>
-            <a:r>
-              <a:rPr lang="pt-PT" sz="1300" dirty="0" err="1"/>
-              <a:t>Dialog</a:t>
-            </a:r>
-            <a:r>
-              <a:rPr lang="pt-PT" sz="1300" dirty="0"/>
-              <a:t> de Logout</a:t>
+              <a:t>9</a:t>
             </a:r>
           </a:p>
         </p:txBody>
@@ -16781,13 +16154,25 @@
     </p:spTree>
     <p:extLst>
       <p:ext uri="{BB962C8B-B14F-4D97-AF65-F5344CB8AC3E}">
-        <p14:creationId xmlns:p14="http://schemas.microsoft.com/office/powerpoint/2010/main" val="3999573085"/>
+        <p14:creationId xmlns:p14="http://schemas.microsoft.com/office/powerpoint/2010/main" val="3656127920"/>
       </p:ext>
     </p:extLst>
   </p:cSld>
   <p:clrMapOvr>
     <a:masterClrMapping/>
   </p:clrMapOvr>
+  <mc:AlternateContent xmlns:mc="http://schemas.openxmlformats.org/markup-compatibility/2006" xmlns:p159="http://schemas.microsoft.com/office/powerpoint/2015/09/main">
+    <mc:Choice Requires="p159">
+      <p:transition xmlns:p14="http://schemas.microsoft.com/office/powerpoint/2010/main" spd="slow" p14:dur="2000">
+        <p159:morph option="byObject"/>
+      </p:transition>
+    </mc:Choice>
+    <mc:Fallback xmlns="">
+      <p:transition spd="slow">
+        <p:fade/>
+      </p:transition>
+    </mc:Fallback>
+  </mc:AlternateContent>
 </p:sld>
 </file>
 

--- a/Documentacao/Android/IPL_AMSI_Relatorio.pptx
+++ b/Documentacao/Android/IPL_AMSI_Relatorio.pptx
@@ -236,7 +236,7 @@
           <a:p>
             <a:fld id="{5AA774DA-5E7A-4E8E-9D7E-8A8FDC2213D4}" type="datetimeFigureOut">
               <a:rPr lang="pt-PT" smtClean="0"/>
-              <a:t>21/01/21</a:t>
+              <a:t>22/01/2021</a:t>
             </a:fld>
             <a:endParaRPr lang="pt-PT"/>
           </a:p>
@@ -401,7 +401,7 @@
           <a:p>
             <a:fld id="{943A8C7F-B61F-4F96-990B-EDC6C319C29A}" type="datetimeFigureOut">
               <a:rPr lang="pt-PT" smtClean="0"/>
-              <a:t>21/01/21</a:t>
+              <a:t>22/01/2021</a:t>
             </a:fld>
             <a:endParaRPr lang="pt-PT"/>
           </a:p>
@@ -837,14 +837,17 @@
               <a:tabLst/>
               <a:defRPr/>
             </a:pPr>
-            <a:endParaRPr lang="pt-PT" dirty="0">
-              <a:solidFill>
-                <a:schemeClr val="tx1">
-                  <a:lumMod val="95000"/>
-                  <a:lumOff val="5000"/>
-                </a:schemeClr>
-              </a:solidFill>
-            </a:endParaRPr>
+            <a:r>
+              <a:rPr lang="pt-PT" dirty="0">
+                <a:solidFill>
+                  <a:schemeClr val="tx1">
+                    <a:lumMod val="95000"/>
+                    <a:lumOff val="5000"/>
+                  </a:schemeClr>
+                </a:solidFill>
+              </a:rPr>
+              <a:t>Na parte das funcionalidades</a:t>
+            </a:r>
           </a:p>
         </p:txBody>
       </p:sp>
@@ -7472,7 +7475,7 @@
             <a:fld id="{C2DE1785-620F-4DE8-A7D0-6CC8413DFAC9}" type="datetime1">
               <a:rPr lang="pt-PT" sz="800" b="1" smtClean="0"/>
               <a:pPr/>
-              <a:t>21/01/21</a:t>
+              <a:t>22/01/2021</a:t>
             </a:fld>
             <a:endParaRPr lang="pt-PT" sz="800" b="1" dirty="0"/>
           </a:p>
@@ -7890,7 +7893,7 @@
             <a:fld id="{C2DE1785-620F-4DE8-A7D0-6CC8413DFAC9}" type="datetime1">
               <a:rPr lang="pt-PT" sz="800" b="1" smtClean="0"/>
               <a:pPr/>
-              <a:t>21/01/21</a:t>
+              <a:t>22/01/2021</a:t>
             </a:fld>
             <a:endParaRPr lang="pt-PT" sz="800" b="1" dirty="0"/>
           </a:p>
@@ -9545,7 +9548,7 @@
             <a:fld id="{C2DE1785-620F-4DE8-A7D0-6CC8413DFAC9}" type="datetime1">
               <a:rPr lang="pt-PT" sz="800" b="1" smtClean="0"/>
               <a:pPr/>
-              <a:t>21/01/21</a:t>
+              <a:t>22/01/2021</a:t>
             </a:fld>
             <a:endParaRPr lang="pt-PT" sz="800" b="1" dirty="0"/>
           </a:p>
@@ -10228,7 +10231,7 @@
             <a:fld id="{C2DE1785-620F-4DE8-A7D0-6CC8413DFAC9}" type="datetime1">
               <a:rPr lang="pt-PT" sz="800" b="1" smtClean="0"/>
               <a:pPr/>
-              <a:t>21/01/21</a:t>
+              <a:t>22/01/2021</a:t>
             </a:fld>
             <a:endParaRPr lang="pt-PT" sz="800" b="1" dirty="0"/>
           </a:p>
@@ -10831,7 +10834,7 @@
             <a:fld id="{C2DE1785-620F-4DE8-A7D0-6CC8413DFAC9}" type="datetime1">
               <a:rPr lang="pt-PT" sz="800" b="1" smtClean="0"/>
               <a:pPr/>
-              <a:t>21/01/21</a:t>
+              <a:t>22/01/2021</a:t>
             </a:fld>
             <a:endParaRPr lang="pt-PT" sz="800" b="1" dirty="0"/>
           </a:p>
@@ -11188,7 +11191,7 @@
             </a:pPr>
             <a:r>
               <a:rPr lang="pt-PT" sz="1200" dirty="0"/>
-              <a:t>RF 06 – Visualização, inserção, edição e eliminação de obras.</a:t>
+              <a:t>RF 06 – Visualização, inserção e edição de obras.</a:t>
             </a:r>
           </a:p>
         </p:txBody>
@@ -11572,7 +11575,7 @@
             <a:fld id="{C2DE1785-620F-4DE8-A7D0-6CC8413DFAC9}" type="datetime1">
               <a:rPr lang="pt-PT" sz="800" b="1" smtClean="0"/>
               <a:pPr/>
-              <a:t>21/01/21</a:t>
+              <a:t>22/01/2021</a:t>
             </a:fld>
             <a:endParaRPr lang="pt-PT" sz="800" b="1" dirty="0"/>
           </a:p>
@@ -12223,7 +12226,7 @@
             <a:fld id="{C2DE1785-620F-4DE8-A7D0-6CC8413DFAC9}" type="datetime1">
               <a:rPr lang="pt-PT" sz="800" b="1" smtClean="0"/>
               <a:pPr/>
-              <a:t>21/01/21</a:t>
+              <a:t>22/01/2021</a:t>
             </a:fld>
             <a:endParaRPr lang="pt-PT" sz="800" b="1" dirty="0"/>
           </a:p>
@@ -13020,7 +13023,7 @@
             <a:fld id="{C2DE1785-620F-4DE8-A7D0-6CC8413DFAC9}" type="datetime1">
               <a:rPr lang="pt-PT" sz="800" b="1" smtClean="0"/>
               <a:pPr/>
-              <a:t>21/01/21</a:t>
+              <a:t>22/01/2021</a:t>
             </a:fld>
             <a:endParaRPr lang="pt-PT" sz="800" b="1" dirty="0"/>
           </a:p>
@@ -13780,7 +13783,7 @@
             <a:fld id="{C2DE1785-620F-4DE8-A7D0-6CC8413DFAC9}" type="datetime1">
               <a:rPr lang="pt-PT" sz="800" b="1" smtClean="0"/>
               <a:pPr/>
-              <a:t>21/01/21</a:t>
+              <a:t>22/01/2021</a:t>
             </a:fld>
             <a:endParaRPr lang="pt-PT" sz="800" b="1" dirty="0"/>
           </a:p>
@@ -14549,7 +14552,7 @@
             <a:fld id="{C2DE1785-620F-4DE8-A7D0-6CC8413DFAC9}" type="datetime1">
               <a:rPr lang="pt-PT" sz="800" b="1" smtClean="0"/>
               <a:pPr/>
-              <a:t>21/01/21</a:t>
+              <a:t>22/01/2021</a:t>
             </a:fld>
             <a:endParaRPr lang="pt-PT" sz="800" b="1" dirty="0"/>
           </a:p>
@@ -15274,7 +15277,7 @@
             <a:fld id="{C2DE1785-620F-4DE8-A7D0-6CC8413DFAC9}" type="datetime1">
               <a:rPr lang="pt-PT" sz="800" b="1" smtClean="0"/>
               <a:pPr/>
-              <a:t>21/01/21</a:t>
+              <a:t>22/01/2021</a:t>
             </a:fld>
             <a:endParaRPr lang="pt-PT" sz="800" b="1" dirty="0"/>
           </a:p>
